--- a/Summarizing Pubmed Articles.pptx
+++ b/Summarizing Pubmed Articles.pptx
@@ -5,34 +5,35 @@
     <p:sldMasterId id="2147483648" r:id="rId1"/>
   </p:sldMasterIdLst>
   <p:notesMasterIdLst>
-    <p:notesMasterId r:id="rId19"/>
+    <p:notesMasterId r:id="rId20"/>
   </p:notesMasterIdLst>
   <p:handoutMasterIdLst>
-    <p:handoutMasterId r:id="rId20"/>
+    <p:handoutMasterId r:id="rId21"/>
   </p:handoutMasterIdLst>
   <p:sldIdLst>
     <p:sldId id="265" r:id="rId2"/>
     <p:sldId id="310" r:id="rId3"/>
     <p:sldId id="329" r:id="rId4"/>
-    <p:sldId id="320" r:id="rId5"/>
-    <p:sldId id="321" r:id="rId6"/>
-    <p:sldId id="322" r:id="rId7"/>
-    <p:sldId id="323" r:id="rId8"/>
-    <p:sldId id="326" r:id="rId9"/>
-    <p:sldId id="313" r:id="rId10"/>
-    <p:sldId id="327" r:id="rId11"/>
-    <p:sldId id="324" r:id="rId12"/>
-    <p:sldId id="328" r:id="rId13"/>
-    <p:sldId id="311" r:id="rId14"/>
-    <p:sldId id="330" r:id="rId15"/>
-    <p:sldId id="331" r:id="rId16"/>
-    <p:sldId id="325" r:id="rId17"/>
-    <p:sldId id="332" r:id="rId18"/>
+    <p:sldId id="333" r:id="rId5"/>
+    <p:sldId id="320" r:id="rId6"/>
+    <p:sldId id="321" r:id="rId7"/>
+    <p:sldId id="322" r:id="rId8"/>
+    <p:sldId id="323" r:id="rId9"/>
+    <p:sldId id="326" r:id="rId10"/>
+    <p:sldId id="313" r:id="rId11"/>
+    <p:sldId id="327" r:id="rId12"/>
+    <p:sldId id="324" r:id="rId13"/>
+    <p:sldId id="328" r:id="rId14"/>
+    <p:sldId id="311" r:id="rId15"/>
+    <p:sldId id="330" r:id="rId16"/>
+    <p:sldId id="331" r:id="rId17"/>
+    <p:sldId id="325" r:id="rId18"/>
+    <p:sldId id="332" r:id="rId19"/>
   </p:sldIdLst>
   <p:sldSz cx="12188825" cy="6858000"/>
   <p:notesSz cx="6858000" cy="9144000"/>
   <p:custDataLst>
-    <p:tags r:id="rId21"/>
+    <p:tags r:id="rId22"/>
   </p:custDataLst>
   <p:defaultTextStyle>
     <a:defPPr>
@@ -1151,7 +1152,6 @@
           </c:extLst>
         </c:ser>
         <c:dLbls>
-          <c:dLblPos val="inBase"/>
           <c:showLegendKey val="0"/>
           <c:showVal val="0"/>
           <c:showCatName val="0"/>
@@ -3073,7 +3073,7 @@
           <a:p>
             <a:fld id="{59088EAF-6ECA-4616-85EF-35AA19C641F3}" type="datetimeFigureOut">
               <a:rPr lang="en-US"/>
-              <a:t>3/3/2024</a:t>
+              <a:t>3/6/2024</a:t>
             </a:fld>
             <a:endParaRPr/>
           </a:p>
@@ -3238,7 +3238,7 @@
           <a:p>
             <a:fld id="{3ABD2D7A-D230-4F91-BD59-0A39C2703BA8}" type="datetimeFigureOut">
               <a:rPr lang="en-US"/>
-              <a:t>3/3/2024</a:t>
+              <a:t>3/6/2024</a:t>
             </a:fld>
             <a:endParaRPr/>
           </a:p>
@@ -3847,7 +3847,7 @@
           <a:p>
             <a:fld id="{03F41C87-7AD9-4845-A077-840E4A0F3F06}" type="datetimeFigureOut">
               <a:rPr lang="en-US"/>
-              <a:t>3/3/2024</a:t>
+              <a:t>3/6/2024</a:t>
             </a:fld>
             <a:endParaRPr/>
           </a:p>
@@ -4039,7 +4039,7 @@
           <a:p>
             <a:fld id="{03F41C87-7AD9-4845-A077-840E4A0F3F06}" type="datetimeFigureOut">
               <a:rPr lang="en-US"/>
-              <a:t>3/3/2024</a:t>
+              <a:t>3/6/2024</a:t>
             </a:fld>
             <a:endParaRPr/>
           </a:p>
@@ -4228,7 +4228,7 @@
           <a:p>
             <a:fld id="{03F41C87-7AD9-4845-A077-840E4A0F3F06}" type="datetimeFigureOut">
               <a:rPr lang="en-US"/>
-              <a:t>3/3/2024</a:t>
+              <a:t>3/6/2024</a:t>
             </a:fld>
             <a:endParaRPr/>
           </a:p>
@@ -4508,7 +4508,7 @@
           <a:p>
             <a:fld id="{03F41C87-7AD9-4845-A077-840E4A0F3F06}" type="datetimeFigureOut">
               <a:rPr lang="en-US"/>
-              <a:t>3/3/2024</a:t>
+              <a:t>3/6/2024</a:t>
             </a:fld>
             <a:endParaRPr/>
           </a:p>
@@ -4812,7 +4812,7 @@
           <a:p>
             <a:fld id="{03F41C87-7AD9-4845-A077-840E4A0F3F06}" type="datetimeFigureOut">
               <a:rPr lang="en-US"/>
-              <a:t>3/3/2024</a:t>
+              <a:t>3/6/2024</a:t>
             </a:fld>
             <a:endParaRPr/>
           </a:p>
@@ -5268,7 +5268,7 @@
           <a:p>
             <a:fld id="{03F41C87-7AD9-4845-A077-840E4A0F3F06}" type="datetimeFigureOut">
               <a:rPr lang="en-US"/>
-              <a:t>3/3/2024</a:t>
+              <a:t>3/6/2024</a:t>
             </a:fld>
             <a:endParaRPr/>
           </a:p>
@@ -5398,7 +5398,7 @@
           <a:p>
             <a:fld id="{03F41C87-7AD9-4845-A077-840E4A0F3F06}" type="datetimeFigureOut">
               <a:rPr lang="en-US"/>
-              <a:t>3/3/2024</a:t>
+              <a:t>3/6/2024</a:t>
             </a:fld>
             <a:endParaRPr/>
           </a:p>
@@ -5513,7 +5513,7 @@
           <a:p>
             <a:fld id="{03F41C87-7AD9-4845-A077-840E4A0F3F06}" type="datetimeFigureOut">
               <a:rPr lang="en-US"/>
-              <a:t>3/3/2024</a:t>
+              <a:t>3/6/2024</a:t>
             </a:fld>
             <a:endParaRPr/>
           </a:p>
@@ -5835,7 +5835,7 @@
           <a:p>
             <a:fld id="{03F41C87-7AD9-4845-A077-840E4A0F3F06}" type="datetimeFigureOut">
               <a:rPr lang="en-US"/>
-              <a:t>3/3/2024</a:t>
+              <a:t>3/6/2024</a:t>
             </a:fld>
             <a:endParaRPr/>
           </a:p>
@@ -6147,7 +6147,7 @@
             <a:fld id="{03F41C87-7AD9-4845-A077-840E4A0F3F06}" type="datetimeFigureOut">
               <a:rPr lang="en-US"/>
               <a:pPr/>
-              <a:t>3/3/2024</a:t>
+              <a:t>3/6/2024</a:t>
             </a:fld>
             <a:endParaRPr/>
           </a:p>
@@ -6401,7 +6401,7 @@
             <a:fld id="{03F41C87-7AD9-4845-A077-840E4A0F3F06}" type="datetimeFigureOut">
               <a:rPr lang="en-US" smtClean="0"/>
               <a:pPr/>
-              <a:t>3/3/2024</a:t>
+              <a:t>3/6/2024</a:t>
             </a:fld>
             <a:endParaRPr lang="en-US"/>
           </a:p>
@@ -6900,6 +6900,1692 @@
   <p:cSld>
     <p:spTree>
       <p:nvGrpSpPr>
+        <p:cNvPr id="1" name=""/>
+        <p:cNvGrpSpPr/>
+        <p:nvPr/>
+      </p:nvGrpSpPr>
+      <p:grpSpPr>
+        <a:xfrm>
+          <a:off x="0" y="0"/>
+          <a:ext cx="0" cy="0"/>
+          <a:chOff x="0" y="0"/>
+          <a:chExt cx="0" cy="0"/>
+        </a:xfrm>
+      </p:grpSpPr>
+      <p:sp>
+        <p:nvSpPr>
+          <p:cNvPr id="2" name="Title 1"/>
+          <p:cNvSpPr>
+            <a:spLocks noGrp="1"/>
+          </p:cNvSpPr>
+          <p:nvPr>
+            <p:ph type="title"/>
+          </p:nvPr>
+        </p:nvSpPr>
+        <p:spPr>
+          <a:xfrm>
+            <a:off x="1522413" y="381000"/>
+            <a:ext cx="9144001" cy="1535832"/>
+          </a:xfrm>
+        </p:spPr>
+        <p:txBody>
+          <a:bodyPr>
+            <a:normAutofit/>
+          </a:bodyPr>
+          <a:lstStyle/>
+          <a:p>
+            <a:r>
+              <a:rPr lang="en-US" dirty="0"/>
+              <a:t>Results (Chunking)</a:t>
+            </a:r>
+            <a:endParaRPr lang="en-US" sz="2700" dirty="0"/>
+          </a:p>
+        </p:txBody>
+      </p:sp>
+      <p:graphicFrame>
+        <p:nvGraphicFramePr>
+          <p:cNvPr id="9" name="Content Placeholder 8"/>
+          <p:cNvGraphicFramePr>
+            <a:graphicFrameLocks noGrp="1"/>
+          </p:cNvGraphicFramePr>
+          <p:nvPr>
+            <p:ph sz="half" idx="2"/>
+            <p:extLst>
+              <p:ext uri="{D42A27DB-BD31-4B8C-83A1-F6EECF244321}">
+                <p14:modId xmlns:p14="http://schemas.microsoft.com/office/powerpoint/2010/main" val="3800602484"/>
+              </p:ext>
+            </p:extLst>
+          </p:nvPr>
+        </p:nvGraphicFramePr>
+        <p:xfrm>
+          <a:off x="310246" y="2183376"/>
+          <a:ext cx="5042617" cy="4297680"/>
+        </p:xfrm>
+        <a:graphic>
+          <a:graphicData uri="http://schemas.openxmlformats.org/drawingml/2006/table">
+            <a:tbl>
+              <a:tblPr firstRow="1" bandRow="1">
+                <a:tableStyleId>{073A0DAA-6AF3-43AB-8588-CEC1D06C72B9}</a:tableStyleId>
+              </a:tblPr>
+              <a:tblGrid>
+                <a:gridCol w="1008111">
+                  <a:extLst>
+                    <a:ext uri="{9D8B030D-6E8A-4147-A177-3AD203B41FA5}">
+                      <a16:colId xmlns:a16="http://schemas.microsoft.com/office/drawing/2014/main" val="20000"/>
+                    </a:ext>
+                  </a:extLst>
+                </a:gridCol>
+                <a:gridCol w="1008112">
+                  <a:extLst>
+                    <a:ext uri="{9D8B030D-6E8A-4147-A177-3AD203B41FA5}">
+                      <a16:colId xmlns:a16="http://schemas.microsoft.com/office/drawing/2014/main" val="20001"/>
+                    </a:ext>
+                  </a:extLst>
+                </a:gridCol>
+                <a:gridCol w="1008112">
+                  <a:extLst>
+                    <a:ext uri="{9D8B030D-6E8A-4147-A177-3AD203B41FA5}">
+                      <a16:colId xmlns:a16="http://schemas.microsoft.com/office/drawing/2014/main" val="20002"/>
+                    </a:ext>
+                  </a:extLst>
+                </a:gridCol>
+                <a:gridCol w="1080120">
+                  <a:extLst>
+                    <a:ext uri="{9D8B030D-6E8A-4147-A177-3AD203B41FA5}">
+                      <a16:colId xmlns:a16="http://schemas.microsoft.com/office/drawing/2014/main" val="1190055206"/>
+                    </a:ext>
+                  </a:extLst>
+                </a:gridCol>
+                <a:gridCol w="938162">
+                  <a:extLst>
+                    <a:ext uri="{9D8B030D-6E8A-4147-A177-3AD203B41FA5}">
+                      <a16:colId xmlns:a16="http://schemas.microsoft.com/office/drawing/2014/main" val="1809116071"/>
+                    </a:ext>
+                  </a:extLst>
+                </a:gridCol>
+              </a:tblGrid>
+              <a:tr h="549036">
+                <a:tc>
+                  <a:txBody>
+                    <a:bodyPr/>
+                    <a:lstStyle/>
+                    <a:p>
+                      <a:r>
+                        <a:rPr lang="en-US" dirty="0"/>
+                        <a:t>Model</a:t>
+                      </a:r>
+                    </a:p>
+                  </a:txBody>
+                  <a:tcPr anchor="ctr"/>
+                </a:tc>
+                <a:tc>
+                  <a:txBody>
+                    <a:bodyPr/>
+                    <a:lstStyle/>
+                    <a:p>
+                      <a:pPr algn="ctr"/>
+                      <a:r>
+                        <a:rPr lang="en-US" dirty="0"/>
+                        <a:t>Rouge 1</a:t>
+                      </a:r>
+                    </a:p>
+                  </a:txBody>
+                  <a:tcPr anchor="ctr"/>
+                </a:tc>
+                <a:tc>
+                  <a:txBody>
+                    <a:bodyPr/>
+                    <a:lstStyle/>
+                    <a:p>
+                      <a:pPr algn="ctr"/>
+                      <a:r>
+                        <a:rPr lang="en-US" dirty="0"/>
+                        <a:t>Rouge 2</a:t>
+                      </a:r>
+                    </a:p>
+                  </a:txBody>
+                  <a:tcPr anchor="ctr"/>
+                </a:tc>
+                <a:tc>
+                  <a:txBody>
+                    <a:bodyPr/>
+                    <a:lstStyle/>
+                    <a:p>
+                      <a:pPr algn="ctr"/>
+                      <a:r>
+                        <a:rPr lang="en-US" dirty="0"/>
+                        <a:t>Rouge L</a:t>
+                      </a:r>
+                    </a:p>
+                  </a:txBody>
+                  <a:tcPr anchor="ctr"/>
+                </a:tc>
+                <a:tc>
+                  <a:txBody>
+                    <a:bodyPr/>
+                    <a:lstStyle/>
+                    <a:p>
+                      <a:pPr algn="ctr"/>
+                      <a:r>
+                        <a:rPr lang="en-US" dirty="0"/>
+                        <a:t>Rouge </a:t>
+                      </a:r>
+                      <a:r>
+                        <a:rPr lang="en-US" dirty="0" err="1"/>
+                        <a:t>Lsum</a:t>
+                      </a:r>
+                      <a:endParaRPr lang="en-US" dirty="0"/>
+                    </a:p>
+                  </a:txBody>
+                  <a:tcPr anchor="ctr"/>
+                </a:tc>
+                <a:extLst>
+                  <a:ext uri="{0D108BD9-81ED-4DB2-BD59-A6C34878D82A}">
+                    <a16:rowId xmlns:a16="http://schemas.microsoft.com/office/drawing/2014/main" val="10000"/>
+                  </a:ext>
+                </a:extLst>
+              </a:tr>
+              <a:tr h="326520">
+                <a:tc>
+                  <a:txBody>
+                    <a:bodyPr/>
+                    <a:lstStyle/>
+                    <a:p>
+                      <a:r>
+                        <a:rPr lang="en-US" dirty="0"/>
+                        <a:t>GPT</a:t>
+                      </a:r>
+                      <a:r>
+                        <a:rPr lang="en-US" baseline="0" dirty="0"/>
+                        <a:t>2</a:t>
+                      </a:r>
+                      <a:endParaRPr lang="en-US" dirty="0"/>
+                    </a:p>
+                  </a:txBody>
+                  <a:tcPr anchor="ctr">
+                    <a:solidFill>
+                      <a:schemeClr val="bg2">
+                        <a:lumMod val="50000"/>
+                        <a:lumOff val="50000"/>
+                      </a:schemeClr>
+                    </a:solidFill>
+                  </a:tcPr>
+                </a:tc>
+                <a:tc>
+                  <a:txBody>
+                    <a:bodyPr/>
+                    <a:lstStyle/>
+                    <a:p>
+                      <a:pPr algn="ctr"/>
+                      <a:r>
+                        <a:rPr lang="en-US" dirty="0"/>
+                        <a:t>18.4</a:t>
+                      </a:r>
+                    </a:p>
+                  </a:txBody>
+                  <a:tcPr anchor="ctr">
+                    <a:solidFill>
+                      <a:schemeClr val="bg2">
+                        <a:lumMod val="50000"/>
+                        <a:lumOff val="50000"/>
+                      </a:schemeClr>
+                    </a:solidFill>
+                  </a:tcPr>
+                </a:tc>
+                <a:tc>
+                  <a:txBody>
+                    <a:bodyPr/>
+                    <a:lstStyle/>
+                    <a:p>
+                      <a:pPr algn="ctr"/>
+                      <a:r>
+                        <a:rPr lang="en-US" dirty="0"/>
+                        <a:t>1.7</a:t>
+                      </a:r>
+                    </a:p>
+                  </a:txBody>
+                  <a:tcPr anchor="ctr">
+                    <a:solidFill>
+                      <a:schemeClr val="bg2">
+                        <a:lumMod val="50000"/>
+                        <a:lumOff val="50000"/>
+                      </a:schemeClr>
+                    </a:solidFill>
+                  </a:tcPr>
+                </a:tc>
+                <a:tc>
+                  <a:txBody>
+                    <a:bodyPr/>
+                    <a:lstStyle/>
+                    <a:p>
+                      <a:pPr algn="ctr"/>
+                      <a:r>
+                        <a:rPr lang="en-US" dirty="0"/>
+                        <a:t>9.94</a:t>
+                      </a:r>
+                    </a:p>
+                  </a:txBody>
+                  <a:tcPr anchor="ctr">
+                    <a:solidFill>
+                      <a:schemeClr val="bg2">
+                        <a:lumMod val="50000"/>
+                        <a:lumOff val="50000"/>
+                      </a:schemeClr>
+                    </a:solidFill>
+                  </a:tcPr>
+                </a:tc>
+                <a:tc>
+                  <a:txBody>
+                    <a:bodyPr/>
+                    <a:lstStyle/>
+                    <a:p>
+                      <a:pPr algn="ctr"/>
+                      <a:r>
+                        <a:rPr lang="en-US" dirty="0"/>
+                        <a:t>12.09</a:t>
+                      </a:r>
+                    </a:p>
+                  </a:txBody>
+                  <a:tcPr anchor="ctr">
+                    <a:solidFill>
+                      <a:schemeClr val="bg2">
+                        <a:lumMod val="50000"/>
+                        <a:lumOff val="50000"/>
+                      </a:schemeClr>
+                    </a:solidFill>
+                  </a:tcPr>
+                </a:tc>
+                <a:extLst>
+                  <a:ext uri="{0D108BD9-81ED-4DB2-BD59-A6C34878D82A}">
+                    <a16:rowId xmlns:a16="http://schemas.microsoft.com/office/drawing/2014/main" val="10002"/>
+                  </a:ext>
+                </a:extLst>
+              </a:tr>
+              <a:tr h="549036">
+                <a:tc>
+                  <a:txBody>
+                    <a:bodyPr/>
+                    <a:lstStyle/>
+                    <a:p>
+                      <a:r>
+                        <a:rPr lang="en-US" dirty="0"/>
+                        <a:t>GPT2 Medium</a:t>
+                      </a:r>
+                    </a:p>
+                  </a:txBody>
+                  <a:tcPr anchor="ctr">
+                    <a:solidFill>
+                      <a:schemeClr val="bg2">
+                        <a:lumMod val="50000"/>
+                        <a:lumOff val="50000"/>
+                      </a:schemeClr>
+                    </a:solidFill>
+                  </a:tcPr>
+                </a:tc>
+                <a:tc>
+                  <a:txBody>
+                    <a:bodyPr/>
+                    <a:lstStyle/>
+                    <a:p>
+                      <a:pPr algn="ctr"/>
+                      <a:r>
+                        <a:rPr lang="en-US" dirty="0"/>
+                        <a:t>18.8</a:t>
+                      </a:r>
+                    </a:p>
+                  </a:txBody>
+                  <a:tcPr anchor="ctr">
+                    <a:solidFill>
+                      <a:schemeClr val="bg2">
+                        <a:lumMod val="50000"/>
+                        <a:lumOff val="50000"/>
+                      </a:schemeClr>
+                    </a:solidFill>
+                  </a:tcPr>
+                </a:tc>
+                <a:tc>
+                  <a:txBody>
+                    <a:bodyPr/>
+                    <a:lstStyle/>
+                    <a:p>
+                      <a:pPr algn="ctr"/>
+                      <a:r>
+                        <a:rPr lang="en-US" dirty="0"/>
+                        <a:t>1.9</a:t>
+                      </a:r>
+                    </a:p>
+                  </a:txBody>
+                  <a:tcPr anchor="ctr">
+                    <a:solidFill>
+                      <a:schemeClr val="bg2">
+                        <a:lumMod val="50000"/>
+                        <a:lumOff val="50000"/>
+                      </a:schemeClr>
+                    </a:solidFill>
+                  </a:tcPr>
+                </a:tc>
+                <a:tc>
+                  <a:txBody>
+                    <a:bodyPr/>
+                    <a:lstStyle/>
+                    <a:p>
+                      <a:pPr algn="ctr"/>
+                      <a:r>
+                        <a:rPr lang="en-US" dirty="0"/>
+                        <a:t>9.91</a:t>
+                      </a:r>
+                    </a:p>
+                  </a:txBody>
+                  <a:tcPr anchor="ctr">
+                    <a:solidFill>
+                      <a:schemeClr val="bg2">
+                        <a:lumMod val="50000"/>
+                        <a:lumOff val="50000"/>
+                      </a:schemeClr>
+                    </a:solidFill>
+                  </a:tcPr>
+                </a:tc>
+                <a:tc>
+                  <a:txBody>
+                    <a:bodyPr/>
+                    <a:lstStyle/>
+                    <a:p>
+                      <a:pPr algn="ctr"/>
+                      <a:r>
+                        <a:rPr lang="en-US" dirty="0"/>
+                        <a:t>12.09</a:t>
+                      </a:r>
+                    </a:p>
+                  </a:txBody>
+                  <a:tcPr anchor="ctr">
+                    <a:solidFill>
+                      <a:schemeClr val="bg2">
+                        <a:lumMod val="50000"/>
+                        <a:lumOff val="50000"/>
+                      </a:schemeClr>
+                    </a:solidFill>
+                  </a:tcPr>
+                </a:tc>
+                <a:extLst>
+                  <a:ext uri="{0D108BD9-81ED-4DB2-BD59-A6C34878D82A}">
+                    <a16:rowId xmlns:a16="http://schemas.microsoft.com/office/drawing/2014/main" val="10003"/>
+                  </a:ext>
+                </a:extLst>
+              </a:tr>
+              <a:tr h="332952">
+                <a:tc>
+                  <a:txBody>
+                    <a:bodyPr/>
+                    <a:lstStyle/>
+                    <a:p>
+                      <a:r>
+                        <a:rPr lang="en-US" dirty="0"/>
+                        <a:t>T5 Base</a:t>
+                      </a:r>
+                    </a:p>
+                  </a:txBody>
+                  <a:tcPr anchor="ctr">
+                    <a:solidFill>
+                      <a:schemeClr val="accent5">
+                        <a:lumMod val="75000"/>
+                      </a:schemeClr>
+                    </a:solidFill>
+                  </a:tcPr>
+                </a:tc>
+                <a:tc>
+                  <a:txBody>
+                    <a:bodyPr/>
+                    <a:lstStyle/>
+                    <a:p>
+                      <a:pPr algn="ctr"/>
+                      <a:r>
+                        <a:rPr lang="en-US" dirty="0"/>
+                        <a:t>16.9</a:t>
+                      </a:r>
+                    </a:p>
+                  </a:txBody>
+                  <a:tcPr anchor="ctr">
+                    <a:solidFill>
+                      <a:schemeClr val="accent5">
+                        <a:lumMod val="75000"/>
+                      </a:schemeClr>
+                    </a:solidFill>
+                  </a:tcPr>
+                </a:tc>
+                <a:tc>
+                  <a:txBody>
+                    <a:bodyPr/>
+                    <a:lstStyle/>
+                    <a:p>
+                      <a:pPr algn="ctr"/>
+                      <a:r>
+                        <a:rPr lang="en-US" dirty="0"/>
+                        <a:t>5.7</a:t>
+                      </a:r>
+                    </a:p>
+                  </a:txBody>
+                  <a:tcPr anchor="ctr">
+                    <a:solidFill>
+                      <a:schemeClr val="accent5">
+                        <a:lumMod val="75000"/>
+                      </a:schemeClr>
+                    </a:solidFill>
+                  </a:tcPr>
+                </a:tc>
+                <a:tc>
+                  <a:txBody>
+                    <a:bodyPr/>
+                    <a:lstStyle/>
+                    <a:p>
+                      <a:pPr algn="ctr"/>
+                      <a:r>
+                        <a:rPr lang="en-US" dirty="0"/>
+                        <a:t>12.2</a:t>
+                      </a:r>
+                    </a:p>
+                  </a:txBody>
+                  <a:tcPr anchor="ctr">
+                    <a:solidFill>
+                      <a:schemeClr val="accent5">
+                        <a:lumMod val="75000"/>
+                      </a:schemeClr>
+                    </a:solidFill>
+                  </a:tcPr>
+                </a:tc>
+                <a:tc>
+                  <a:txBody>
+                    <a:bodyPr/>
+                    <a:lstStyle/>
+                    <a:p>
+                      <a:pPr algn="ctr"/>
+                      <a:r>
+                        <a:rPr lang="en-US" dirty="0"/>
+                        <a:t>12.3</a:t>
+                      </a:r>
+                    </a:p>
+                  </a:txBody>
+                  <a:tcPr anchor="ctr">
+                    <a:solidFill>
+                      <a:schemeClr val="accent5">
+                        <a:lumMod val="75000"/>
+                      </a:schemeClr>
+                    </a:solidFill>
+                  </a:tcPr>
+                </a:tc>
+                <a:extLst>
+                  <a:ext uri="{0D108BD9-81ED-4DB2-BD59-A6C34878D82A}">
+                    <a16:rowId xmlns:a16="http://schemas.microsoft.com/office/drawing/2014/main" val="1564377738"/>
+                  </a:ext>
+                </a:extLst>
+              </a:tr>
+              <a:tr h="332952">
+                <a:tc>
+                  <a:txBody>
+                    <a:bodyPr/>
+                    <a:lstStyle/>
+                    <a:p>
+                      <a:r>
+                        <a:rPr lang="en-US" dirty="0"/>
+                        <a:t>T5 Small</a:t>
+                      </a:r>
+                    </a:p>
+                  </a:txBody>
+                  <a:tcPr anchor="ctr">
+                    <a:solidFill>
+                      <a:schemeClr val="accent5">
+                        <a:lumMod val="75000"/>
+                      </a:schemeClr>
+                    </a:solidFill>
+                  </a:tcPr>
+                </a:tc>
+                <a:tc>
+                  <a:txBody>
+                    <a:bodyPr/>
+                    <a:lstStyle/>
+                    <a:p>
+                      <a:pPr algn="ctr"/>
+                      <a:r>
+                        <a:rPr lang="en-US" dirty="0"/>
+                        <a:t>18.1</a:t>
+                      </a:r>
+                    </a:p>
+                  </a:txBody>
+                  <a:tcPr anchor="ctr">
+                    <a:solidFill>
+                      <a:schemeClr val="accent5">
+                        <a:lumMod val="75000"/>
+                      </a:schemeClr>
+                    </a:solidFill>
+                  </a:tcPr>
+                </a:tc>
+                <a:tc>
+                  <a:txBody>
+                    <a:bodyPr/>
+                    <a:lstStyle/>
+                    <a:p>
+                      <a:pPr algn="ctr"/>
+                      <a:r>
+                        <a:rPr lang="en-US" dirty="0"/>
+                        <a:t>6.2</a:t>
+                      </a:r>
+                    </a:p>
+                  </a:txBody>
+                  <a:tcPr anchor="ctr">
+                    <a:solidFill>
+                      <a:schemeClr val="accent5">
+                        <a:lumMod val="75000"/>
+                      </a:schemeClr>
+                    </a:solidFill>
+                  </a:tcPr>
+                </a:tc>
+                <a:tc>
+                  <a:txBody>
+                    <a:bodyPr/>
+                    <a:lstStyle/>
+                    <a:p>
+                      <a:pPr algn="ctr"/>
+                      <a:r>
+                        <a:rPr lang="en-US" dirty="0"/>
+                        <a:t>12.9</a:t>
+                      </a:r>
+                    </a:p>
+                  </a:txBody>
+                  <a:tcPr anchor="ctr">
+                    <a:solidFill>
+                      <a:schemeClr val="accent5">
+                        <a:lumMod val="75000"/>
+                      </a:schemeClr>
+                    </a:solidFill>
+                  </a:tcPr>
+                </a:tc>
+                <a:tc>
+                  <a:txBody>
+                    <a:bodyPr/>
+                    <a:lstStyle/>
+                    <a:p>
+                      <a:pPr algn="ctr"/>
+                      <a:r>
+                        <a:rPr lang="en-US" dirty="0"/>
+                        <a:t>13.07</a:t>
+                      </a:r>
+                    </a:p>
+                  </a:txBody>
+                  <a:tcPr anchor="ctr">
+                    <a:solidFill>
+                      <a:schemeClr val="accent5">
+                        <a:lumMod val="75000"/>
+                      </a:schemeClr>
+                    </a:solidFill>
+                  </a:tcPr>
+                </a:tc>
+                <a:extLst>
+                  <a:ext uri="{0D108BD9-81ED-4DB2-BD59-A6C34878D82A}">
+                    <a16:rowId xmlns:a16="http://schemas.microsoft.com/office/drawing/2014/main" val="1879937733"/>
+                  </a:ext>
+                </a:extLst>
+              </a:tr>
+              <a:tr h="549036">
+                <a:tc>
+                  <a:txBody>
+                    <a:bodyPr/>
+                    <a:lstStyle/>
+                    <a:p>
+                      <a:r>
+                        <a:rPr lang="en-US" dirty="0"/>
+                        <a:t>T5 </a:t>
+                      </a:r>
+                      <a:r>
+                        <a:rPr lang="en-US" dirty="0" err="1"/>
+                        <a:t>Pubmed</a:t>
+                      </a:r>
+                      <a:endParaRPr lang="en-US" dirty="0"/>
+                    </a:p>
+                  </a:txBody>
+                  <a:tcPr anchor="ctr">
+                    <a:solidFill>
+                      <a:schemeClr val="accent5">
+                        <a:lumMod val="75000"/>
+                      </a:schemeClr>
+                    </a:solidFill>
+                  </a:tcPr>
+                </a:tc>
+                <a:tc>
+                  <a:txBody>
+                    <a:bodyPr/>
+                    <a:lstStyle/>
+                    <a:p>
+                      <a:pPr algn="ctr"/>
+                      <a:r>
+                        <a:rPr lang="en-US" dirty="0"/>
+                        <a:t>12.7</a:t>
+                      </a:r>
+                    </a:p>
+                  </a:txBody>
+                  <a:tcPr anchor="ctr">
+                    <a:solidFill>
+                      <a:schemeClr val="accent5">
+                        <a:lumMod val="75000"/>
+                      </a:schemeClr>
+                    </a:solidFill>
+                  </a:tcPr>
+                </a:tc>
+                <a:tc>
+                  <a:txBody>
+                    <a:bodyPr/>
+                    <a:lstStyle/>
+                    <a:p>
+                      <a:pPr algn="ctr"/>
+                      <a:r>
+                        <a:rPr lang="en-US" dirty="0"/>
+                        <a:t>4.9</a:t>
+                      </a:r>
+                    </a:p>
+                  </a:txBody>
+                  <a:tcPr anchor="ctr">
+                    <a:solidFill>
+                      <a:schemeClr val="accent5">
+                        <a:lumMod val="75000"/>
+                      </a:schemeClr>
+                    </a:solidFill>
+                  </a:tcPr>
+                </a:tc>
+                <a:tc>
+                  <a:txBody>
+                    <a:bodyPr/>
+                    <a:lstStyle/>
+                    <a:p>
+                      <a:pPr algn="ctr"/>
+                      <a:r>
+                        <a:rPr lang="en-US" dirty="0"/>
+                        <a:t>10</a:t>
+                      </a:r>
+                    </a:p>
+                  </a:txBody>
+                  <a:tcPr anchor="ctr">
+                    <a:solidFill>
+                      <a:schemeClr val="accent5">
+                        <a:lumMod val="75000"/>
+                      </a:schemeClr>
+                    </a:solidFill>
+                  </a:tcPr>
+                </a:tc>
+                <a:tc>
+                  <a:txBody>
+                    <a:bodyPr/>
+                    <a:lstStyle/>
+                    <a:p>
+                      <a:pPr algn="ctr"/>
+                      <a:r>
+                        <a:rPr lang="en-US" dirty="0"/>
+                        <a:t>10.1</a:t>
+                      </a:r>
+                    </a:p>
+                  </a:txBody>
+                  <a:tcPr anchor="ctr">
+                    <a:solidFill>
+                      <a:schemeClr val="accent5">
+                        <a:lumMod val="75000"/>
+                      </a:schemeClr>
+                    </a:solidFill>
+                  </a:tcPr>
+                </a:tc>
+                <a:extLst>
+                  <a:ext uri="{0D108BD9-81ED-4DB2-BD59-A6C34878D82A}">
+                    <a16:rowId xmlns:a16="http://schemas.microsoft.com/office/drawing/2014/main" val="860175760"/>
+                  </a:ext>
+                </a:extLst>
+              </a:tr>
+              <a:tr h="549036">
+                <a:tc>
+                  <a:txBody>
+                    <a:bodyPr/>
+                    <a:lstStyle/>
+                    <a:p>
+                      <a:r>
+                        <a:rPr lang="en-US" dirty="0"/>
+                        <a:t>BART Base</a:t>
+                      </a:r>
+                    </a:p>
+                  </a:txBody>
+                  <a:tcPr anchor="ctr">
+                    <a:solidFill>
+                      <a:schemeClr val="accent3">
+                        <a:lumMod val="75000"/>
+                      </a:schemeClr>
+                    </a:solidFill>
+                  </a:tcPr>
+                </a:tc>
+                <a:tc>
+                  <a:txBody>
+                    <a:bodyPr/>
+                    <a:lstStyle/>
+                    <a:p>
+                      <a:pPr algn="ctr"/>
+                      <a:r>
+                        <a:rPr lang="en-US" dirty="0"/>
+                        <a:t>33.4</a:t>
+                      </a:r>
+                    </a:p>
+                  </a:txBody>
+                  <a:tcPr anchor="ctr">
+                    <a:solidFill>
+                      <a:schemeClr val="accent3">
+                        <a:lumMod val="75000"/>
+                      </a:schemeClr>
+                    </a:solidFill>
+                  </a:tcPr>
+                </a:tc>
+                <a:tc>
+                  <a:txBody>
+                    <a:bodyPr/>
+                    <a:lstStyle/>
+                    <a:p>
+                      <a:pPr algn="ctr"/>
+                      <a:r>
+                        <a:rPr lang="en-US" dirty="0"/>
+                        <a:t>11.4</a:t>
+                      </a:r>
+                    </a:p>
+                  </a:txBody>
+                  <a:tcPr anchor="ctr">
+                    <a:solidFill>
+                      <a:schemeClr val="accent3">
+                        <a:lumMod val="75000"/>
+                      </a:schemeClr>
+                    </a:solidFill>
+                  </a:tcPr>
+                </a:tc>
+                <a:tc>
+                  <a:txBody>
+                    <a:bodyPr/>
+                    <a:lstStyle/>
+                    <a:p>
+                      <a:pPr algn="ctr"/>
+                      <a:r>
+                        <a:rPr lang="en-US" dirty="0"/>
+                        <a:t>19.2</a:t>
+                      </a:r>
+                    </a:p>
+                  </a:txBody>
+                  <a:tcPr anchor="ctr">
+                    <a:solidFill>
+                      <a:schemeClr val="accent3">
+                        <a:lumMod val="75000"/>
+                      </a:schemeClr>
+                    </a:solidFill>
+                  </a:tcPr>
+                </a:tc>
+                <a:tc>
+                  <a:txBody>
+                    <a:bodyPr/>
+                    <a:lstStyle/>
+                    <a:p>
+                      <a:pPr algn="ctr"/>
+                      <a:r>
+                        <a:rPr lang="en-US" dirty="0"/>
+                        <a:t>19.6</a:t>
+                      </a:r>
+                    </a:p>
+                  </a:txBody>
+                  <a:tcPr anchor="ctr">
+                    <a:solidFill>
+                      <a:schemeClr val="accent3">
+                        <a:lumMod val="75000"/>
+                      </a:schemeClr>
+                    </a:solidFill>
+                  </a:tcPr>
+                </a:tc>
+                <a:extLst>
+                  <a:ext uri="{0D108BD9-81ED-4DB2-BD59-A6C34878D82A}">
+                    <a16:rowId xmlns:a16="http://schemas.microsoft.com/office/drawing/2014/main" val="1389289216"/>
+                  </a:ext>
+                </a:extLst>
+              </a:tr>
+              <a:tr h="549036">
+                <a:tc>
+                  <a:txBody>
+                    <a:bodyPr/>
+                    <a:lstStyle/>
+                    <a:p>
+                      <a:r>
+                        <a:rPr lang="en-US" dirty="0"/>
+                        <a:t>BART Large</a:t>
+                      </a:r>
+                    </a:p>
+                  </a:txBody>
+                  <a:tcPr anchor="ctr">
+                    <a:solidFill>
+                      <a:schemeClr val="accent3">
+                        <a:lumMod val="75000"/>
+                      </a:schemeClr>
+                    </a:solidFill>
+                  </a:tcPr>
+                </a:tc>
+                <a:tc>
+                  <a:txBody>
+                    <a:bodyPr/>
+                    <a:lstStyle/>
+                    <a:p>
+                      <a:pPr algn="ctr"/>
+                      <a:r>
+                        <a:rPr lang="en-US" dirty="0"/>
+                        <a:t>30.9</a:t>
+                      </a:r>
+                    </a:p>
+                  </a:txBody>
+                  <a:tcPr anchor="ctr">
+                    <a:solidFill>
+                      <a:schemeClr val="accent3">
+                        <a:lumMod val="75000"/>
+                      </a:schemeClr>
+                    </a:solidFill>
+                  </a:tcPr>
+                </a:tc>
+                <a:tc>
+                  <a:txBody>
+                    <a:bodyPr/>
+                    <a:lstStyle/>
+                    <a:p>
+                      <a:pPr algn="ctr"/>
+                      <a:r>
+                        <a:rPr lang="en-US" dirty="0"/>
+                        <a:t>8.6</a:t>
+                      </a:r>
+                    </a:p>
+                  </a:txBody>
+                  <a:tcPr anchor="ctr">
+                    <a:solidFill>
+                      <a:schemeClr val="accent3">
+                        <a:lumMod val="75000"/>
+                      </a:schemeClr>
+                    </a:solidFill>
+                  </a:tcPr>
+                </a:tc>
+                <a:tc>
+                  <a:txBody>
+                    <a:bodyPr/>
+                    <a:lstStyle/>
+                    <a:p>
+                      <a:pPr algn="ctr"/>
+                      <a:r>
+                        <a:rPr lang="en-US" dirty="0"/>
+                        <a:t>17.2</a:t>
+                      </a:r>
+                    </a:p>
+                  </a:txBody>
+                  <a:tcPr anchor="ctr">
+                    <a:solidFill>
+                      <a:schemeClr val="accent3">
+                        <a:lumMod val="75000"/>
+                      </a:schemeClr>
+                    </a:solidFill>
+                  </a:tcPr>
+                </a:tc>
+                <a:tc>
+                  <a:txBody>
+                    <a:bodyPr/>
+                    <a:lstStyle/>
+                    <a:p>
+                      <a:pPr algn="ctr"/>
+                      <a:r>
+                        <a:rPr lang="en-US" dirty="0"/>
+                        <a:t>17.5</a:t>
+                      </a:r>
+                    </a:p>
+                  </a:txBody>
+                  <a:tcPr anchor="ctr">
+                    <a:solidFill>
+                      <a:schemeClr val="accent3">
+                        <a:lumMod val="75000"/>
+                      </a:schemeClr>
+                    </a:solidFill>
+                  </a:tcPr>
+                </a:tc>
+                <a:extLst>
+                  <a:ext uri="{0D108BD9-81ED-4DB2-BD59-A6C34878D82A}">
+                    <a16:rowId xmlns:a16="http://schemas.microsoft.com/office/drawing/2014/main" val="3580046169"/>
+                  </a:ext>
+                </a:extLst>
+              </a:tr>
+            </a:tbl>
+          </a:graphicData>
+        </a:graphic>
+      </p:graphicFrame>
+      <p:graphicFrame>
+        <p:nvGraphicFramePr>
+          <p:cNvPr id="8" name="Content Placeholder 8">
+            <a:extLst>
+              <a:ext uri="{FF2B5EF4-FFF2-40B4-BE49-F238E27FC236}">
+                <a16:creationId xmlns:a16="http://schemas.microsoft.com/office/drawing/2014/main" id="{F2660981-991B-1308-3AAC-0272C6FD31D8}"/>
+              </a:ext>
+            </a:extLst>
+          </p:cNvPr>
+          <p:cNvGraphicFramePr>
+            <a:graphicFrameLocks/>
+          </p:cNvGraphicFramePr>
+          <p:nvPr>
+            <p:extLst>
+              <p:ext uri="{D42A27DB-BD31-4B8C-83A1-F6EECF244321}">
+                <p14:modId xmlns:p14="http://schemas.microsoft.com/office/powerpoint/2010/main" val="2620495847"/>
+              </p:ext>
+            </p:extLst>
+          </p:nvPr>
+        </p:nvGraphicFramePr>
+        <p:xfrm>
+          <a:off x="5613886" y="2356926"/>
+          <a:ext cx="6264693" cy="4114800"/>
+        </p:xfrm>
+        <a:graphic>
+          <a:graphicData uri="http://schemas.openxmlformats.org/drawingml/2006/table">
+            <a:tbl>
+              <a:tblPr firstRow="1" bandRow="1">
+                <a:tableStyleId>{073A0DAA-6AF3-43AB-8588-CEC1D06C72B9}</a:tableStyleId>
+              </a:tblPr>
+              <a:tblGrid>
+                <a:gridCol w="1255445">
+                  <a:extLst>
+                    <a:ext uri="{9D8B030D-6E8A-4147-A177-3AD203B41FA5}">
+                      <a16:colId xmlns:a16="http://schemas.microsoft.com/office/drawing/2014/main" val="20000"/>
+                    </a:ext>
+                  </a:extLst>
+                </a:gridCol>
+                <a:gridCol w="1252312">
+                  <a:extLst>
+                    <a:ext uri="{9D8B030D-6E8A-4147-A177-3AD203B41FA5}">
+                      <a16:colId xmlns:a16="http://schemas.microsoft.com/office/drawing/2014/main" val="20001"/>
+                    </a:ext>
+                  </a:extLst>
+                </a:gridCol>
+                <a:gridCol w="1252312">
+                  <a:extLst>
+                    <a:ext uri="{9D8B030D-6E8A-4147-A177-3AD203B41FA5}">
+                      <a16:colId xmlns:a16="http://schemas.microsoft.com/office/drawing/2014/main" val="20002"/>
+                    </a:ext>
+                  </a:extLst>
+                </a:gridCol>
+                <a:gridCol w="1252312">
+                  <a:extLst>
+                    <a:ext uri="{9D8B030D-6E8A-4147-A177-3AD203B41FA5}">
+                      <a16:colId xmlns:a16="http://schemas.microsoft.com/office/drawing/2014/main" val="1190055206"/>
+                    </a:ext>
+                  </a:extLst>
+                </a:gridCol>
+                <a:gridCol w="1252312">
+                  <a:extLst>
+                    <a:ext uri="{9D8B030D-6E8A-4147-A177-3AD203B41FA5}">
+                      <a16:colId xmlns:a16="http://schemas.microsoft.com/office/drawing/2014/main" val="1809116071"/>
+                    </a:ext>
+                  </a:extLst>
+                </a:gridCol>
+              </a:tblGrid>
+              <a:tr h="586120">
+                <a:tc>
+                  <a:txBody>
+                    <a:bodyPr/>
+                    <a:lstStyle/>
+                    <a:p>
+                      <a:r>
+                        <a:rPr lang="en-US" dirty="0"/>
+                        <a:t>Model</a:t>
+                      </a:r>
+                    </a:p>
+                  </a:txBody>
+                  <a:tcPr anchor="ctr"/>
+                </a:tc>
+                <a:tc>
+                  <a:txBody>
+                    <a:bodyPr/>
+                    <a:lstStyle/>
+                    <a:p>
+                      <a:pPr algn="ctr"/>
+                      <a:r>
+                        <a:rPr lang="en-US" dirty="0"/>
+                        <a:t>Rouge 1</a:t>
+                      </a:r>
+                    </a:p>
+                  </a:txBody>
+                  <a:tcPr anchor="ctr"/>
+                </a:tc>
+                <a:tc>
+                  <a:txBody>
+                    <a:bodyPr/>
+                    <a:lstStyle/>
+                    <a:p>
+                      <a:pPr algn="ctr"/>
+                      <a:r>
+                        <a:rPr lang="en-US" dirty="0"/>
+                        <a:t>Rouge 2</a:t>
+                      </a:r>
+                    </a:p>
+                  </a:txBody>
+                  <a:tcPr anchor="ctr"/>
+                </a:tc>
+                <a:tc>
+                  <a:txBody>
+                    <a:bodyPr/>
+                    <a:lstStyle/>
+                    <a:p>
+                      <a:pPr algn="ctr"/>
+                      <a:r>
+                        <a:rPr lang="en-US" dirty="0"/>
+                        <a:t>Rouge L</a:t>
+                      </a:r>
+                    </a:p>
+                  </a:txBody>
+                  <a:tcPr anchor="ctr"/>
+                </a:tc>
+                <a:tc>
+                  <a:txBody>
+                    <a:bodyPr/>
+                    <a:lstStyle/>
+                    <a:p>
+                      <a:pPr algn="ctr"/>
+                      <a:r>
+                        <a:rPr lang="en-US" dirty="0"/>
+                        <a:t>Rouge </a:t>
+                      </a:r>
+                      <a:r>
+                        <a:rPr lang="en-US" dirty="0" err="1"/>
+                        <a:t>Lsum</a:t>
+                      </a:r>
+                      <a:endParaRPr lang="en-US" dirty="0"/>
+                    </a:p>
+                  </a:txBody>
+                  <a:tcPr anchor="ctr"/>
+                </a:tc>
+                <a:extLst>
+                  <a:ext uri="{0D108BD9-81ED-4DB2-BD59-A6C34878D82A}">
+                    <a16:rowId xmlns:a16="http://schemas.microsoft.com/office/drawing/2014/main" val="10000"/>
+                  </a:ext>
+                </a:extLst>
+              </a:tr>
+              <a:tr h="586120">
+                <a:tc>
+                  <a:txBody>
+                    <a:bodyPr/>
+                    <a:lstStyle/>
+                    <a:p>
+                      <a:r>
+                        <a:rPr lang="en-US" dirty="0"/>
+                        <a:t>BART </a:t>
+                      </a:r>
+                      <a:r>
+                        <a:rPr lang="en-US" dirty="0" err="1"/>
+                        <a:t>Pubmed</a:t>
+                      </a:r>
+                      <a:endParaRPr lang="en-US" dirty="0"/>
+                    </a:p>
+                  </a:txBody>
+                  <a:tcPr anchor="ctr">
+                    <a:solidFill>
+                      <a:schemeClr val="accent3">
+                        <a:lumMod val="75000"/>
+                      </a:schemeClr>
+                    </a:solidFill>
+                  </a:tcPr>
+                </a:tc>
+                <a:tc>
+                  <a:txBody>
+                    <a:bodyPr/>
+                    <a:lstStyle/>
+                    <a:p>
+                      <a:pPr algn="ctr"/>
+                      <a:r>
+                        <a:rPr lang="en-US" dirty="0"/>
+                        <a:t>37.1</a:t>
+                      </a:r>
+                    </a:p>
+                  </a:txBody>
+                  <a:tcPr anchor="ctr">
+                    <a:solidFill>
+                      <a:schemeClr val="accent3">
+                        <a:lumMod val="75000"/>
+                      </a:schemeClr>
+                    </a:solidFill>
+                  </a:tcPr>
+                </a:tc>
+                <a:tc>
+                  <a:txBody>
+                    <a:bodyPr/>
+                    <a:lstStyle/>
+                    <a:p>
+                      <a:pPr algn="ctr"/>
+                      <a:r>
+                        <a:rPr lang="en-US" dirty="0"/>
+                        <a:t>14.6</a:t>
+                      </a:r>
+                    </a:p>
+                  </a:txBody>
+                  <a:tcPr anchor="ctr">
+                    <a:solidFill>
+                      <a:schemeClr val="accent3">
+                        <a:lumMod val="75000"/>
+                      </a:schemeClr>
+                    </a:solidFill>
+                  </a:tcPr>
+                </a:tc>
+                <a:tc>
+                  <a:txBody>
+                    <a:bodyPr/>
+                    <a:lstStyle/>
+                    <a:p>
+                      <a:pPr algn="ctr"/>
+                      <a:r>
+                        <a:rPr lang="en-US" dirty="0"/>
+                        <a:t>22.8</a:t>
+                      </a:r>
+                    </a:p>
+                  </a:txBody>
+                  <a:tcPr anchor="ctr">
+                    <a:solidFill>
+                      <a:schemeClr val="accent3">
+                        <a:lumMod val="75000"/>
+                      </a:schemeClr>
+                    </a:solidFill>
+                  </a:tcPr>
+                </a:tc>
+                <a:tc>
+                  <a:txBody>
+                    <a:bodyPr/>
+                    <a:lstStyle/>
+                    <a:p>
+                      <a:pPr algn="ctr"/>
+                      <a:r>
+                        <a:rPr lang="en-US" dirty="0"/>
+                        <a:t>25.2</a:t>
+                      </a:r>
+                    </a:p>
+                  </a:txBody>
+                  <a:tcPr anchor="ctr">
+                    <a:solidFill>
+                      <a:schemeClr val="accent3">
+                        <a:lumMod val="75000"/>
+                      </a:schemeClr>
+                    </a:solidFill>
+                  </a:tcPr>
+                </a:tc>
+                <a:extLst>
+                  <a:ext uri="{0D108BD9-81ED-4DB2-BD59-A6C34878D82A}">
+                    <a16:rowId xmlns:a16="http://schemas.microsoft.com/office/drawing/2014/main" val="10003"/>
+                  </a:ext>
+                </a:extLst>
+              </a:tr>
+              <a:tr h="586120">
+                <a:tc>
+                  <a:txBody>
+                    <a:bodyPr/>
+                    <a:lstStyle/>
+                    <a:p>
+                      <a:r>
+                        <a:rPr lang="en-US" dirty="0"/>
+                        <a:t>Pegasus-X Base</a:t>
+                      </a:r>
+                    </a:p>
+                  </a:txBody>
+                  <a:tcPr anchor="ctr">
+                    <a:solidFill>
+                      <a:schemeClr val="accent2">
+                        <a:lumMod val="75000"/>
+                      </a:schemeClr>
+                    </a:solidFill>
+                  </a:tcPr>
+                </a:tc>
+                <a:tc>
+                  <a:txBody>
+                    <a:bodyPr/>
+                    <a:lstStyle/>
+                    <a:p>
+                      <a:pPr algn="ctr"/>
+                      <a:r>
+                        <a:rPr lang="en-US" dirty="0"/>
+                        <a:t>2.3</a:t>
+                      </a:r>
+                    </a:p>
+                  </a:txBody>
+                  <a:tcPr anchor="ctr">
+                    <a:solidFill>
+                      <a:schemeClr val="accent2">
+                        <a:lumMod val="75000"/>
+                      </a:schemeClr>
+                    </a:solidFill>
+                  </a:tcPr>
+                </a:tc>
+                <a:tc>
+                  <a:txBody>
+                    <a:bodyPr/>
+                    <a:lstStyle/>
+                    <a:p>
+                      <a:pPr algn="ctr"/>
+                      <a:r>
+                        <a:rPr lang="en-US" dirty="0"/>
+                        <a:t>0.02</a:t>
+                      </a:r>
+                    </a:p>
+                  </a:txBody>
+                  <a:tcPr anchor="ctr">
+                    <a:solidFill>
+                      <a:schemeClr val="accent2">
+                        <a:lumMod val="75000"/>
+                      </a:schemeClr>
+                    </a:solidFill>
+                  </a:tcPr>
+                </a:tc>
+                <a:tc>
+                  <a:txBody>
+                    <a:bodyPr/>
+                    <a:lstStyle/>
+                    <a:p>
+                      <a:pPr algn="ctr"/>
+                      <a:r>
+                        <a:rPr lang="en-US" dirty="0"/>
+                        <a:t>2.1</a:t>
+                      </a:r>
+                    </a:p>
+                  </a:txBody>
+                  <a:tcPr anchor="ctr">
+                    <a:solidFill>
+                      <a:schemeClr val="accent2">
+                        <a:lumMod val="75000"/>
+                      </a:schemeClr>
+                    </a:solidFill>
+                  </a:tcPr>
+                </a:tc>
+                <a:tc>
+                  <a:txBody>
+                    <a:bodyPr/>
+                    <a:lstStyle/>
+                    <a:p>
+                      <a:pPr algn="ctr"/>
+                      <a:r>
+                        <a:rPr lang="en-US" dirty="0"/>
+                        <a:t>2.1</a:t>
+                      </a:r>
+                    </a:p>
+                  </a:txBody>
+                  <a:tcPr anchor="ctr">
+                    <a:solidFill>
+                      <a:schemeClr val="accent2">
+                        <a:lumMod val="75000"/>
+                      </a:schemeClr>
+                    </a:solidFill>
+                  </a:tcPr>
+                </a:tc>
+                <a:extLst>
+                  <a:ext uri="{0D108BD9-81ED-4DB2-BD59-A6C34878D82A}">
+                    <a16:rowId xmlns:a16="http://schemas.microsoft.com/office/drawing/2014/main" val="1564377738"/>
+                  </a:ext>
+                </a:extLst>
+              </a:tr>
+              <a:tr h="586120">
+                <a:tc>
+                  <a:txBody>
+                    <a:bodyPr/>
+                    <a:lstStyle/>
+                    <a:p>
+                      <a:r>
+                        <a:rPr lang="en-US" dirty="0"/>
+                        <a:t>Pegasus-X Large</a:t>
+                      </a:r>
+                    </a:p>
+                  </a:txBody>
+                  <a:tcPr anchor="ctr">
+                    <a:solidFill>
+                      <a:schemeClr val="accent2">
+                        <a:lumMod val="75000"/>
+                      </a:schemeClr>
+                    </a:solidFill>
+                  </a:tcPr>
+                </a:tc>
+                <a:tc>
+                  <a:txBody>
+                    <a:bodyPr/>
+                    <a:lstStyle/>
+                    <a:p>
+                      <a:pPr algn="ctr"/>
+                      <a:r>
+                        <a:rPr lang="en-US" dirty="0"/>
+                        <a:t>30.1</a:t>
+                      </a:r>
+                    </a:p>
+                  </a:txBody>
+                  <a:tcPr anchor="ctr">
+                    <a:solidFill>
+                      <a:schemeClr val="accent2">
+                        <a:lumMod val="75000"/>
+                      </a:schemeClr>
+                    </a:solidFill>
+                  </a:tcPr>
+                </a:tc>
+                <a:tc>
+                  <a:txBody>
+                    <a:bodyPr/>
+                    <a:lstStyle/>
+                    <a:p>
+                      <a:pPr algn="ctr"/>
+                      <a:r>
+                        <a:rPr lang="en-US" dirty="0"/>
+                        <a:t>8.6</a:t>
+                      </a:r>
+                    </a:p>
+                  </a:txBody>
+                  <a:tcPr anchor="ctr">
+                    <a:solidFill>
+                      <a:schemeClr val="accent2">
+                        <a:lumMod val="75000"/>
+                      </a:schemeClr>
+                    </a:solidFill>
+                  </a:tcPr>
+                </a:tc>
+                <a:tc>
+                  <a:txBody>
+                    <a:bodyPr/>
+                    <a:lstStyle/>
+                    <a:p>
+                      <a:pPr algn="ctr"/>
+                      <a:r>
+                        <a:rPr lang="en-US" dirty="0"/>
+                        <a:t>16.3</a:t>
+                      </a:r>
+                    </a:p>
+                  </a:txBody>
+                  <a:tcPr anchor="ctr">
+                    <a:solidFill>
+                      <a:schemeClr val="accent2">
+                        <a:lumMod val="75000"/>
+                      </a:schemeClr>
+                    </a:solidFill>
+                  </a:tcPr>
+                </a:tc>
+                <a:tc>
+                  <a:txBody>
+                    <a:bodyPr/>
+                    <a:lstStyle/>
+                    <a:p>
+                      <a:pPr algn="ctr"/>
+                      <a:r>
+                        <a:rPr lang="en-US" dirty="0"/>
+                        <a:t>16.9</a:t>
+                      </a:r>
+                    </a:p>
+                  </a:txBody>
+                  <a:tcPr anchor="ctr">
+                    <a:solidFill>
+                      <a:schemeClr val="accent2">
+                        <a:lumMod val="75000"/>
+                      </a:schemeClr>
+                    </a:solidFill>
+                  </a:tcPr>
+                </a:tc>
+                <a:extLst>
+                  <a:ext uri="{0D108BD9-81ED-4DB2-BD59-A6C34878D82A}">
+                    <a16:rowId xmlns:a16="http://schemas.microsoft.com/office/drawing/2014/main" val="1879937733"/>
+                  </a:ext>
+                </a:extLst>
+              </a:tr>
+              <a:tr h="586120">
+                <a:tc>
+                  <a:txBody>
+                    <a:bodyPr/>
+                    <a:lstStyle/>
+                    <a:p>
+                      <a:r>
+                        <a:rPr lang="en-US" dirty="0"/>
+                        <a:t>Pegasus </a:t>
+                      </a:r>
+                      <a:r>
+                        <a:rPr lang="en-US" dirty="0" err="1"/>
+                        <a:t>Pubmed</a:t>
+                      </a:r>
+                      <a:endParaRPr lang="en-US" dirty="0"/>
+                    </a:p>
+                  </a:txBody>
+                  <a:tcPr anchor="ctr">
+                    <a:solidFill>
+                      <a:schemeClr val="accent2">
+                        <a:lumMod val="75000"/>
+                      </a:schemeClr>
+                    </a:solidFill>
+                  </a:tcPr>
+                </a:tc>
+                <a:tc>
+                  <a:txBody>
+                    <a:bodyPr/>
+                    <a:lstStyle/>
+                    <a:p>
+                      <a:pPr algn="ctr"/>
+                      <a:r>
+                        <a:rPr lang="en-US" dirty="0"/>
+                        <a:t>38.3</a:t>
+                      </a:r>
+                    </a:p>
+                  </a:txBody>
+                  <a:tcPr anchor="ctr">
+                    <a:solidFill>
+                      <a:schemeClr val="accent2">
+                        <a:lumMod val="75000"/>
+                      </a:schemeClr>
+                    </a:solidFill>
+                  </a:tcPr>
+                </a:tc>
+                <a:tc>
+                  <a:txBody>
+                    <a:bodyPr/>
+                    <a:lstStyle/>
+                    <a:p>
+                      <a:pPr algn="ctr"/>
+                      <a:r>
+                        <a:rPr lang="en-US" dirty="0"/>
+                        <a:t>15.2</a:t>
+                      </a:r>
+                    </a:p>
+                  </a:txBody>
+                  <a:tcPr anchor="ctr">
+                    <a:solidFill>
+                      <a:schemeClr val="accent2">
+                        <a:lumMod val="75000"/>
+                      </a:schemeClr>
+                    </a:solidFill>
+                  </a:tcPr>
+                </a:tc>
+                <a:tc>
+                  <a:txBody>
+                    <a:bodyPr/>
+                    <a:lstStyle/>
+                    <a:p>
+                      <a:pPr algn="ctr"/>
+                      <a:r>
+                        <a:rPr lang="en-US" dirty="0"/>
+                        <a:t>23.2</a:t>
+                      </a:r>
+                    </a:p>
+                  </a:txBody>
+                  <a:tcPr anchor="ctr">
+                    <a:solidFill>
+                      <a:schemeClr val="accent2">
+                        <a:lumMod val="75000"/>
+                      </a:schemeClr>
+                    </a:solidFill>
+                  </a:tcPr>
+                </a:tc>
+                <a:tc>
+                  <a:txBody>
+                    <a:bodyPr/>
+                    <a:lstStyle/>
+                    <a:p>
+                      <a:pPr algn="ctr"/>
+                      <a:r>
+                        <a:rPr lang="en-US" dirty="0"/>
+                        <a:t>23.7</a:t>
+                      </a:r>
+                    </a:p>
+                  </a:txBody>
+                  <a:tcPr anchor="ctr">
+                    <a:solidFill>
+                      <a:schemeClr val="accent2">
+                        <a:lumMod val="75000"/>
+                      </a:schemeClr>
+                    </a:solidFill>
+                  </a:tcPr>
+                </a:tc>
+                <a:extLst>
+                  <a:ext uri="{0D108BD9-81ED-4DB2-BD59-A6C34878D82A}">
+                    <a16:rowId xmlns:a16="http://schemas.microsoft.com/office/drawing/2014/main" val="860175760"/>
+                  </a:ext>
+                </a:extLst>
+              </a:tr>
+              <a:tr h="837315">
+                <a:tc>
+                  <a:txBody>
+                    <a:bodyPr/>
+                    <a:lstStyle/>
+                    <a:p>
+                      <a:r>
+                        <a:rPr lang="en-US" dirty="0"/>
+                        <a:t>Pegasus </a:t>
+                      </a:r>
+                      <a:r>
+                        <a:rPr lang="en-US" dirty="0" err="1"/>
+                        <a:t>Bigbird</a:t>
+                      </a:r>
+                      <a:r>
+                        <a:rPr lang="en-US" dirty="0"/>
+                        <a:t> </a:t>
+                      </a:r>
+                      <a:r>
+                        <a:rPr lang="en-US" dirty="0" err="1"/>
+                        <a:t>Pubmed</a:t>
+                      </a:r>
+                      <a:endParaRPr lang="en-US" dirty="0"/>
+                    </a:p>
+                  </a:txBody>
+                  <a:tcPr anchor="ctr">
+                    <a:solidFill>
+                      <a:schemeClr val="accent2">
+                        <a:lumMod val="75000"/>
+                      </a:schemeClr>
+                    </a:solidFill>
+                  </a:tcPr>
+                </a:tc>
+                <a:tc>
+                  <a:txBody>
+                    <a:bodyPr/>
+                    <a:lstStyle/>
+                    <a:p>
+                      <a:pPr algn="ctr"/>
+                      <a:r>
+                        <a:rPr lang="en-US" dirty="0"/>
+                        <a:t>38.8</a:t>
+                      </a:r>
+                    </a:p>
+                  </a:txBody>
+                  <a:tcPr anchor="ctr">
+                    <a:solidFill>
+                      <a:schemeClr val="accent2">
+                        <a:lumMod val="75000"/>
+                      </a:schemeClr>
+                    </a:solidFill>
+                  </a:tcPr>
+                </a:tc>
+                <a:tc>
+                  <a:txBody>
+                    <a:bodyPr/>
+                    <a:lstStyle/>
+                    <a:p>
+                      <a:pPr algn="ctr"/>
+                      <a:r>
+                        <a:rPr lang="en-US" dirty="0"/>
+                        <a:t>15.4</a:t>
+                      </a:r>
+                    </a:p>
+                  </a:txBody>
+                  <a:tcPr anchor="ctr">
+                    <a:solidFill>
+                      <a:schemeClr val="accent2">
+                        <a:lumMod val="75000"/>
+                      </a:schemeClr>
+                    </a:solidFill>
+                  </a:tcPr>
+                </a:tc>
+                <a:tc>
+                  <a:txBody>
+                    <a:bodyPr/>
+                    <a:lstStyle/>
+                    <a:p>
+                      <a:pPr algn="ctr"/>
+                      <a:r>
+                        <a:rPr lang="en-US" dirty="0"/>
+                        <a:t>23.2</a:t>
+                      </a:r>
+                    </a:p>
+                  </a:txBody>
+                  <a:tcPr anchor="ctr">
+                    <a:solidFill>
+                      <a:schemeClr val="accent2">
+                        <a:lumMod val="75000"/>
+                      </a:schemeClr>
+                    </a:solidFill>
+                  </a:tcPr>
+                </a:tc>
+                <a:tc>
+                  <a:txBody>
+                    <a:bodyPr/>
+                    <a:lstStyle/>
+                    <a:p>
+                      <a:pPr algn="ctr"/>
+                      <a:r>
+                        <a:rPr lang="en-US" dirty="0"/>
+                        <a:t>23.7</a:t>
+                      </a:r>
+                    </a:p>
+                  </a:txBody>
+                  <a:tcPr anchor="ctr">
+                    <a:solidFill>
+                      <a:schemeClr val="accent2">
+                        <a:lumMod val="75000"/>
+                      </a:schemeClr>
+                    </a:solidFill>
+                  </a:tcPr>
+                </a:tc>
+                <a:extLst>
+                  <a:ext uri="{0D108BD9-81ED-4DB2-BD59-A6C34878D82A}">
+                    <a16:rowId xmlns:a16="http://schemas.microsoft.com/office/drawing/2014/main" val="4077446876"/>
+                  </a:ext>
+                </a:extLst>
+              </a:tr>
+            </a:tbl>
+          </a:graphicData>
+        </a:graphic>
+      </p:graphicFrame>
+    </p:spTree>
+    <p:extLst>
+      <p:ext uri="{BB962C8B-B14F-4D97-AF65-F5344CB8AC3E}">
+        <p14:creationId xmlns:p14="http://schemas.microsoft.com/office/powerpoint/2010/main" val="4206988261"/>
+      </p:ext>
+    </p:extLst>
+  </p:cSld>
+  <p:clrMapOvr>
+    <a:masterClrMapping/>
+  </p:clrMapOvr>
+  <mc:AlternateContent xmlns:mc="http://schemas.openxmlformats.org/markup-compatibility/2006" xmlns:p14="http://schemas.microsoft.com/office/powerpoint/2010/main">
+    <mc:Choice Requires="p14">
+      <p:transition spd="med" p14:dur="700">
+        <p:fade/>
+      </p:transition>
+    </mc:Choice>
+    <mc:Fallback xmlns="">
+      <p:transition spd="med">
+        <p:fade/>
+      </p:transition>
+    </mc:Fallback>
+  </mc:AlternateContent>
+</p:sld>
+</file>
+
+<file path=ppt/slides/slide11.xml><?xml version="1.0" encoding="utf-8"?>
+<p:sld xmlns:a="http://schemas.openxmlformats.org/drawingml/2006/main" xmlns:r="http://schemas.openxmlformats.org/officeDocument/2006/relationships" xmlns:p="http://schemas.openxmlformats.org/presentationml/2006/main">
+  <p:cSld>
+    <p:spTree>
+      <p:nvGrpSpPr>
         <p:cNvPr id="1" name="">
           <a:extLst>
             <a:ext uri="{FF2B5EF4-FFF2-40B4-BE49-F238E27FC236}">
@@ -6987,13 +8673,13 @@
   <p:clrMapOvr>
     <a:masterClrMapping/>
   </p:clrMapOvr>
-  <mc:AlternateContent xmlns:mc="http://schemas.openxmlformats.org/markup-compatibility/2006">
-    <mc:Choice xmlns:p14="http://schemas.microsoft.com/office/powerpoint/2010/main" Requires="p14">
+  <mc:AlternateContent xmlns:mc="http://schemas.openxmlformats.org/markup-compatibility/2006" xmlns:p14="http://schemas.microsoft.com/office/powerpoint/2010/main">
+    <mc:Choice Requires="p14">
       <p:transition spd="med" p14:dur="700">
         <p:fade/>
       </p:transition>
     </mc:Choice>
-    <mc:Fallback>
+    <mc:Fallback xmlns="">
       <p:transition spd="med">
         <p:fade/>
       </p:transition>
@@ -7002,7 +8688,7 @@
 </p:sld>
 </file>
 
-<file path=ppt/slides/slide11.xml><?xml version="1.0" encoding="utf-8"?>
+<file path=ppt/slides/slide12.xml><?xml version="1.0" encoding="utf-8"?>
 <p:sld xmlns:a="http://schemas.openxmlformats.org/drawingml/2006/main" xmlns:r="http://schemas.openxmlformats.org/officeDocument/2006/relationships" xmlns:p="http://schemas.openxmlformats.org/presentationml/2006/main">
   <p:cSld>
     <p:spTree>
@@ -8698,7 +10384,7 @@
 </p:sld>
 </file>
 
-<file path=ppt/slides/slide12.xml><?xml version="1.0" encoding="utf-8"?>
+<file path=ppt/slides/slide13.xml><?xml version="1.0" encoding="utf-8"?>
 <p:sld xmlns:a="http://schemas.openxmlformats.org/drawingml/2006/main" xmlns:r="http://schemas.openxmlformats.org/officeDocument/2006/relationships" xmlns:p="http://schemas.openxmlformats.org/presentationml/2006/main">
   <p:cSld>
     <p:spTree>
@@ -8790,13 +10476,13 @@
   <p:clrMapOvr>
     <a:masterClrMapping/>
   </p:clrMapOvr>
-  <mc:AlternateContent xmlns:mc="http://schemas.openxmlformats.org/markup-compatibility/2006">
-    <mc:Choice xmlns:p14="http://schemas.microsoft.com/office/powerpoint/2010/main" Requires="p14">
+  <mc:AlternateContent xmlns:mc="http://schemas.openxmlformats.org/markup-compatibility/2006" xmlns:p14="http://schemas.microsoft.com/office/powerpoint/2010/main">
+    <mc:Choice Requires="p14">
       <p:transition spd="med" p14:dur="700">
         <p:fade/>
       </p:transition>
     </mc:Choice>
-    <mc:Fallback>
+    <mc:Fallback xmlns="">
       <p:transition spd="med">
         <p:fade/>
       </p:transition>
@@ -8805,7 +10491,7 @@
 </p:sld>
 </file>
 
-<file path=ppt/slides/slide13.xml><?xml version="1.0" encoding="utf-8"?>
+<file path=ppt/slides/slide14.xml><?xml version="1.0" encoding="utf-8"?>
 <p:sld xmlns:a="http://schemas.openxmlformats.org/drawingml/2006/main" xmlns:r="http://schemas.openxmlformats.org/officeDocument/2006/relationships" xmlns:p="http://schemas.openxmlformats.org/presentationml/2006/main">
   <p:cSld>
     <p:spTree>
@@ -8894,7 +10580,7 @@
 </p:sld>
 </file>
 
-<file path=ppt/slides/slide14.xml><?xml version="1.0" encoding="utf-8"?>
+<file path=ppt/slides/slide15.xml><?xml version="1.0" encoding="utf-8"?>
 <p:sld xmlns:a="http://schemas.openxmlformats.org/drawingml/2006/main" xmlns:r="http://schemas.openxmlformats.org/officeDocument/2006/relationships" xmlns:p="http://schemas.openxmlformats.org/presentationml/2006/main">
   <p:cSld>
     <p:spTree>
@@ -9041,7 +10727,7 @@
 </p:sld>
 </file>
 
-<file path=ppt/slides/slide15.xml><?xml version="1.0" encoding="utf-8"?>
+<file path=ppt/slides/slide16.xml><?xml version="1.0" encoding="utf-8"?>
 <p:sld xmlns:a="http://schemas.openxmlformats.org/drawingml/2006/main" xmlns:r="http://schemas.openxmlformats.org/officeDocument/2006/relationships" xmlns:p="http://schemas.openxmlformats.org/presentationml/2006/main">
   <p:cSld>
     <p:spTree>
@@ -9131,7 +10817,7 @@
 </p:sld>
 </file>
 
-<file path=ppt/slides/slide16.xml><?xml version="1.0" encoding="utf-8"?>
+<file path=ppt/slides/slide17.xml><?xml version="1.0" encoding="utf-8"?>
 <p:sld xmlns:a="http://schemas.openxmlformats.org/drawingml/2006/main" xmlns:r="http://schemas.openxmlformats.org/officeDocument/2006/relationships" xmlns:p="http://schemas.openxmlformats.org/presentationml/2006/main">
   <p:cSld>
     <p:spTree>
@@ -9633,7 +11319,7 @@
 </p:sld>
 </file>
 
-<file path=ppt/slides/slide17.xml><?xml version="1.0" encoding="utf-8"?>
+<file path=ppt/slides/slide18.xml><?xml version="1.0" encoding="utf-8"?>
 <p:sld xmlns:a="http://schemas.openxmlformats.org/drawingml/2006/main" xmlns:r="http://schemas.openxmlformats.org/officeDocument/2006/relationships" xmlns:p="http://schemas.openxmlformats.org/presentationml/2006/main">
   <p:cSld>
     <p:spTree>
@@ -9820,16 +11506,27 @@
             <p:ph idx="1"/>
           </p:nvPr>
         </p:nvSpPr>
-        <p:spPr/>
+        <p:spPr>
+          <a:xfrm>
+            <a:off x="1522413" y="1904999"/>
+            <a:ext cx="9134391" cy="4476329"/>
+          </a:xfrm>
+        </p:spPr>
         <p:txBody>
           <a:bodyPr>
-            <a:normAutofit fontScale="92500" lnSpcReduction="20000"/>
+            <a:normAutofit fontScale="85000" lnSpcReduction="20000"/>
           </a:bodyPr>
           <a:lstStyle/>
           <a:p>
             <a:r>
               <a:rPr lang="en-US" dirty="0"/>
               <a:t>AIM</a:t>
+            </a:r>
+          </a:p>
+          <a:p>
+            <a:r>
+              <a:rPr lang="en-US" dirty="0"/>
+              <a:t>Dataset</a:t>
             </a:r>
           </a:p>
           <a:p>
@@ -10040,7 +11737,7 @@
           <p:cNvPr id="2" name="Title 1">
             <a:extLst>
               <a:ext uri="{FF2B5EF4-FFF2-40B4-BE49-F238E27FC236}">
-                <a16:creationId xmlns:a16="http://schemas.microsoft.com/office/drawing/2014/main" id="{3FDF5B8E-ACDD-E900-2A2B-0FD901CCA0E7}"/>
+                <a16:creationId xmlns:a16="http://schemas.microsoft.com/office/drawing/2014/main" id="{223B76A2-0194-5595-8EE8-AD3E182F1B31}"/>
               </a:ext>
             </a:extLst>
           </p:cNvPr>
@@ -10058,7 +11755,7 @@
           <a:p>
             <a:r>
               <a:rPr lang="en-IN" dirty="0"/>
-              <a:t>Language Models Used</a:t>
+              <a:t>Dataset</a:t>
             </a:r>
           </a:p>
         </p:txBody>
@@ -10068,7 +11765,7 @@
           <p:cNvPr id="3" name="Content Placeholder 2">
             <a:extLst>
               <a:ext uri="{FF2B5EF4-FFF2-40B4-BE49-F238E27FC236}">
-                <a16:creationId xmlns:a16="http://schemas.microsoft.com/office/drawing/2014/main" id="{E72F5661-6329-E8C2-F60D-A9D370A9A544}"/>
+                <a16:creationId xmlns:a16="http://schemas.microsoft.com/office/drawing/2014/main" id="{3C4FEBD9-6F47-3F74-859E-1BE6BD350AC9}"/>
               </a:ext>
             </a:extLst>
           </p:cNvPr>
@@ -10081,80 +11778,93 @@
         </p:nvSpPr>
         <p:spPr/>
         <p:txBody>
-          <a:bodyPr>
-            <a:normAutofit fontScale="92500" lnSpcReduction="10000"/>
-          </a:bodyPr>
+          <a:bodyPr/>
           <a:lstStyle/>
           <a:p>
+            <a:pPr marL="0" indent="0">
+              <a:buNone/>
+            </a:pPr>
+            <a:endParaRPr lang="en-IN" dirty="0"/>
+          </a:p>
+          <a:p>
+            <a:pPr marL="0" indent="0">
+              <a:buNone/>
+            </a:pPr>
+            <a:endParaRPr lang="en-IN" dirty="0"/>
+          </a:p>
+          <a:p>
+            <a:pPr marL="0" indent="0">
+              <a:buNone/>
+            </a:pPr>
             <a:r>
               <a:rPr lang="en-IN" dirty="0"/>
-              <a:t>GPT-2 (Generative Pretrained Transformers)</a:t>
-            </a:r>
-            <a:br>
+              <a:t>The dataset consists of the following attributes:-</a:t>
+            </a:r>
+          </a:p>
+          <a:p>
+            <a:pPr lvl="1"/>
+            <a:r>
+              <a:rPr lang="en-IN" dirty="0" err="1"/>
+              <a:t>article_id</a:t>
+            </a:r>
+            <a:r>
               <a:rPr lang="en-IN" dirty="0"/>
-            </a:br>
+              <a:t>          – ID for the </a:t>
+            </a:r>
+            <a:r>
+              <a:rPr lang="en-IN" dirty="0" err="1"/>
+              <a:t>pubmed</a:t>
+            </a:r>
             <a:r>
               <a:rPr lang="en-IN" dirty="0"/>
-              <a:t>Stack of decoders. Suitable for text generation, completion, summarization and dialogue completion</a:t>
-            </a:r>
-          </a:p>
-          <a:p>
+              <a:t> article</a:t>
+            </a:r>
+          </a:p>
+          <a:p>
+            <a:pPr lvl="1"/>
+            <a:r>
+              <a:rPr lang="en-IN" dirty="0" err="1"/>
+              <a:t>article_text</a:t>
+            </a:r>
             <a:r>
               <a:rPr lang="en-IN" dirty="0"/>
-              <a:t>T5 (Text to Text Transfer Transformer) </a:t>
-            </a:r>
-            <a:br>
+              <a:t>      – Text for the whole </a:t>
+            </a:r>
+            <a:r>
+              <a:rPr lang="en-IN" dirty="0" err="1"/>
+              <a:t>pubmed</a:t>
+            </a:r>
+            <a:r>
               <a:rPr lang="en-IN" dirty="0"/>
-            </a:br>
+              <a:t> document</a:t>
+            </a:r>
+          </a:p>
+          <a:p>
+            <a:pPr lvl="1"/>
+            <a:r>
+              <a:rPr lang="en-IN" dirty="0" err="1"/>
+              <a:t>abstract_text</a:t>
+            </a:r>
             <a:r>
               <a:rPr lang="en-IN" dirty="0"/>
-              <a:t>Trained on diverse range of tasks. Built for text to text tasks </a:t>
-            </a:r>
-          </a:p>
-          <a:p>
+              <a:t>  – Abstract text for the article which can be used as reference in   		      prediction</a:t>
+            </a:r>
+          </a:p>
+          <a:p>
+            <a:pPr marL="231775" lvl="1" indent="0">
+              <a:buNone/>
+            </a:pPr>
             <a:r>
               <a:rPr lang="en-IN" dirty="0"/>
-              <a:t>BART (Bidirectional and </a:t>
-            </a:r>
-            <a:r>
-              <a:rPr lang="en-IN" dirty="0" err="1"/>
-              <a:t>AutoRegressive</a:t>
-            </a:r>
-            <a:r>
-              <a:rPr lang="en-IN" dirty="0"/>
-              <a:t> Transformer)</a:t>
-            </a:r>
-            <a:br>
-              <a:rPr lang="en-IN" dirty="0"/>
-            </a:br>
-            <a:r>
-              <a:rPr lang="en-IN" dirty="0"/>
-              <a:t>Effective for text generation tasks such as summarization, text completion and text paraphrasing</a:t>
-            </a:r>
-          </a:p>
-          <a:p>
-            <a:r>
-              <a:rPr lang="en-IN" dirty="0"/>
-              <a:t>Pegasus</a:t>
-            </a:r>
-            <a:br>
-              <a:rPr lang="en-IN" dirty="0"/>
-            </a:br>
-            <a:r>
-              <a:rPr lang="en-IN" dirty="0"/>
-              <a:t>Specifically designed for abstractive summarization. Excels in generating concise and coherent summaries.</a:t>
-            </a:r>
-            <a:br>
-              <a:rPr lang="en-IN" dirty="0"/>
-            </a:br>
-            <a:endParaRPr lang="en-IN" dirty="0"/>
+              <a:t>		</a:t>
+            </a:r>
           </a:p>
         </p:txBody>
       </p:sp>
     </p:spTree>
     <p:extLst>
       <p:ext uri="{BB962C8B-B14F-4D97-AF65-F5344CB8AC3E}">
-        <p14:creationId xmlns:p14="http://schemas.microsoft.com/office/powerpoint/2010/main" val="1517627122"/>
+        <p14:creationId xmlns:p14="http://schemas.microsoft.com/office/powerpoint/2010/main" val="15603784"/>
       </p:ext>
     </p:extLst>
   </p:cSld>
@@ -10198,7 +11908,7 @@
           <p:cNvPr id="2" name="Title 1">
             <a:extLst>
               <a:ext uri="{FF2B5EF4-FFF2-40B4-BE49-F238E27FC236}">
-                <a16:creationId xmlns:a16="http://schemas.microsoft.com/office/drawing/2014/main" id="{DC3D1B66-9A65-F418-F000-3418853C7FA3}"/>
+                <a16:creationId xmlns:a16="http://schemas.microsoft.com/office/drawing/2014/main" id="{3FDF5B8E-ACDD-E900-2A2B-0FD901CCA0E7}"/>
               </a:ext>
             </a:extLst>
           </p:cNvPr>
@@ -10216,7 +11926,7 @@
           <a:p>
             <a:r>
               <a:rPr lang="en-IN" dirty="0"/>
-              <a:t>Handling Long Texts</a:t>
+              <a:t>Language Models Used</a:t>
             </a:r>
           </a:p>
         </p:txBody>
@@ -10226,7 +11936,7 @@
           <p:cNvPr id="3" name="Content Placeholder 2">
             <a:extLst>
               <a:ext uri="{FF2B5EF4-FFF2-40B4-BE49-F238E27FC236}">
-                <a16:creationId xmlns:a16="http://schemas.microsoft.com/office/drawing/2014/main" id="{9E41D8BA-3D11-063B-0E13-334641167621}"/>
+                <a16:creationId xmlns:a16="http://schemas.microsoft.com/office/drawing/2014/main" id="{E72F5661-6329-E8C2-F60D-A9D370A9A544}"/>
               </a:ext>
             </a:extLst>
           </p:cNvPr>
@@ -10240,106 +11950,79 @@
         <p:spPr/>
         <p:txBody>
           <a:bodyPr>
-            <a:normAutofit fontScale="92500" lnSpcReduction="20000"/>
+            <a:normAutofit fontScale="92500" lnSpcReduction="10000"/>
           </a:bodyPr>
           <a:lstStyle/>
           <a:p>
-            <a:pPr marL="0" indent="0">
-              <a:buNone/>
-            </a:pPr>
             <a:r>
               <a:rPr lang="en-IN" dirty="0"/>
-              <a:t>Step 1 - Chunking</a:t>
-            </a:r>
-          </a:p>
-          <a:p>
-            <a:r>
+              <a:t>GPT-2 (Generative Pretrained Transformers)</a:t>
+            </a:r>
+            <a:br>
               <a:rPr lang="en-IN" dirty="0"/>
-              <a:t>Chunking by Token Size:</a:t>
-            </a:r>
-          </a:p>
-          <a:p>
-            <a:pPr marL="688975" lvl="1" indent="-457200">
-              <a:buFont typeface="+mj-lt"/>
-              <a:buAutoNum type="arabicPeriod"/>
-            </a:pPr>
+            </a:br>
             <a:r>
               <a:rPr lang="en-IN" dirty="0"/>
-              <a:t>Split text into smaller pieces by number of tokens</a:t>
-            </a:r>
-          </a:p>
-          <a:p>
-            <a:pPr marL="688975" lvl="1" indent="-457200">
-              <a:buFont typeface="+mj-lt"/>
-              <a:buAutoNum type="arabicPeriod"/>
-            </a:pPr>
+              <a:t>Stack of decoders. Suitable for text generation, completion, summarization and dialogue completion</a:t>
+            </a:r>
+          </a:p>
+          <a:p>
             <a:r>
               <a:rPr lang="en-IN" dirty="0"/>
-              <a:t>Limit of 512 tokens chosen with chunk overlap of 100 characters </a:t>
-            </a:r>
-          </a:p>
-          <a:p>
-            <a:pPr marL="688975" lvl="1" indent="-457200">
-              <a:buFont typeface="+mj-lt"/>
-              <a:buAutoNum type="arabicPeriod"/>
-            </a:pPr>
-            <a:r>
+              <a:t>T5 (Text to Text Transfer Transformer) </a:t>
+            </a:r>
+            <a:br>
               <a:rPr lang="en-IN" dirty="0"/>
-              <a:t>Chunk overlap used to preserve context and improve performance</a:t>
-            </a:r>
-          </a:p>
-          <a:p>
+            </a:br>
             <a:r>
               <a:rPr lang="en-IN" dirty="0"/>
-              <a:t>Recursive Semantic Chunking:</a:t>
-            </a:r>
-          </a:p>
-          <a:p>
-            <a:pPr marL="688975" lvl="1" indent="-457200">
-              <a:buFont typeface="+mj-lt"/>
-              <a:buAutoNum type="arabicPeriod"/>
-            </a:pPr>
+              <a:t>Trained on diverse range of tasks. Built for text to text tasks </a:t>
+            </a:r>
+          </a:p>
+          <a:p>
             <a:r>
               <a:rPr lang="en-IN" dirty="0"/>
-              <a:t>Find cosine distances between adjacent combined sentences with one sentence overlap</a:t>
-            </a:r>
-          </a:p>
-          <a:p>
-            <a:pPr marL="688975" lvl="1" indent="-457200">
-              <a:buFont typeface="+mj-lt"/>
-              <a:buAutoNum type="arabicPeriod"/>
-            </a:pPr>
+              <a:t>BART (Bidirectional and </a:t>
+            </a:r>
+            <a:r>
+              <a:rPr lang="en-IN" dirty="0" err="1"/>
+              <a:t>AutoRegressive</a:t>
+            </a:r>
             <a:r>
               <a:rPr lang="en-IN" dirty="0"/>
-              <a:t>Find distances which are greater than 95 percentile threshold as positions to split</a:t>
-            </a:r>
-          </a:p>
-          <a:p>
-            <a:pPr marL="688975" lvl="1" indent="-457200">
-              <a:buFont typeface="+mj-lt"/>
-              <a:buAutoNum type="arabicPeriod"/>
-            </a:pPr>
-            <a:r>
+              <a:t> Transformer)</a:t>
+            </a:r>
+            <a:br>
               <a:rPr lang="en-IN" dirty="0"/>
-              <a:t>Group sentences within the split points together into a single chunk</a:t>
-            </a:r>
-          </a:p>
-          <a:p>
-            <a:pPr marL="688975" lvl="1" indent="-457200">
-              <a:buFont typeface="+mj-lt"/>
-              <a:buAutoNum type="arabicPeriod"/>
-            </a:pPr>
+            </a:br>
             <a:r>
               <a:rPr lang="en-IN" dirty="0"/>
-              <a:t>If a chunk is more than 512 token, repeat the steps 1,2 and 3</a:t>
-            </a:r>
+              <a:t>Effective for text generation tasks such as summarization, text completion and text paraphrasing</a:t>
+            </a:r>
+          </a:p>
+          <a:p>
+            <a:r>
+              <a:rPr lang="en-IN" dirty="0"/>
+              <a:t>Pegasus</a:t>
+            </a:r>
+            <a:br>
+              <a:rPr lang="en-IN" dirty="0"/>
+            </a:br>
+            <a:r>
+              <a:rPr lang="en-IN" dirty="0"/>
+              <a:t>Specifically designed for abstractive summarization. Excels in generating concise and coherent summaries.</a:t>
+            </a:r>
+            <a:br>
+              <a:rPr lang="en-IN" dirty="0"/>
+            </a:br>
+            <a:endParaRPr lang="en-IN" dirty="0"/>
           </a:p>
         </p:txBody>
       </p:sp>
     </p:spTree>
     <p:extLst>
       <p:ext uri="{BB962C8B-B14F-4D97-AF65-F5344CB8AC3E}">
-        <p14:creationId xmlns:p14="http://schemas.microsoft.com/office/powerpoint/2010/main" val="802467596"/>
+        <p14:creationId xmlns:p14="http://schemas.microsoft.com/office/powerpoint/2010/main" val="1517627122"/>
       </p:ext>
     </p:extLst>
   </p:cSld>
@@ -10380,10 +12063,38 @@
       </p:grpSpPr>
       <p:sp>
         <p:nvSpPr>
+          <p:cNvPr id="2" name="Title 1">
+            <a:extLst>
+              <a:ext uri="{FF2B5EF4-FFF2-40B4-BE49-F238E27FC236}">
+                <a16:creationId xmlns:a16="http://schemas.microsoft.com/office/drawing/2014/main" id="{DC3D1B66-9A65-F418-F000-3418853C7FA3}"/>
+              </a:ext>
+            </a:extLst>
+          </p:cNvPr>
+          <p:cNvSpPr>
+            <a:spLocks noGrp="1"/>
+          </p:cNvSpPr>
+          <p:nvPr>
+            <p:ph type="title"/>
+          </p:nvPr>
+        </p:nvSpPr>
+        <p:spPr/>
+        <p:txBody>
+          <a:bodyPr/>
+          <a:lstStyle/>
+          <a:p>
+            <a:r>
+              <a:rPr lang="en-IN" dirty="0"/>
+              <a:t>Handling Long Texts</a:t>
+            </a:r>
+          </a:p>
+        </p:txBody>
+      </p:sp>
+      <p:sp>
+        <p:nvSpPr>
           <p:cNvPr id="3" name="Content Placeholder 2">
             <a:extLst>
               <a:ext uri="{FF2B5EF4-FFF2-40B4-BE49-F238E27FC236}">
-                <a16:creationId xmlns:a16="http://schemas.microsoft.com/office/drawing/2014/main" id="{C106B2B8-EE5D-BCFA-F075-69C31F0C2DE4}"/>
+                <a16:creationId xmlns:a16="http://schemas.microsoft.com/office/drawing/2014/main" id="{9E41D8BA-3D11-063B-0E13-334641167621}"/>
               </a:ext>
             </a:extLst>
           </p:cNvPr>
@@ -10396,7 +12107,9 @@
         </p:nvSpPr>
         <p:spPr/>
         <p:txBody>
-          <a:bodyPr/>
+          <a:bodyPr>
+            <a:normAutofit fontScale="92500" lnSpcReduction="20000"/>
+          </a:bodyPr>
           <a:lstStyle/>
           <a:p>
             <a:pPr marL="0" indent="0">
@@ -10404,7 +12117,13 @@
             </a:pPr>
             <a:r>
               <a:rPr lang="en-IN" dirty="0"/>
-              <a:t>Step 2 – Recursive Summarizing</a:t>
+              <a:t>Step 1 - Chunking</a:t>
+            </a:r>
+          </a:p>
+          <a:p>
+            <a:r>
+              <a:rPr lang="en-IN" dirty="0"/>
+              <a:t>Chunking by Token Size:</a:t>
             </a:r>
           </a:p>
           <a:p>
@@ -10414,7 +12133,7 @@
             </a:pPr>
             <a:r>
               <a:rPr lang="en-IN" dirty="0"/>
-              <a:t>Summarize each chunk individually and combine them into a single summary </a:t>
+              <a:t>Split text into smaller pieces by number of tokens</a:t>
             </a:r>
           </a:p>
           <a:p>
@@ -10424,7 +12143,7 @@
             </a:pPr>
             <a:r>
               <a:rPr lang="en-IN" dirty="0"/>
-              <a:t>Perform summarization again on the combined summary to get the final output summary of the article</a:t>
+              <a:t>Limit of 512 tokens chosen with chunk overlap of 100 characters </a:t>
             </a:r>
           </a:p>
           <a:p>
@@ -10434,23 +12153,61 @@
             </a:pPr>
             <a:r>
               <a:rPr lang="en-IN" dirty="0"/>
-              <a:t>If the combined summary is greater than 512 tokens, generate chunks of the combined summary and repeat steps 1 and 2</a:t>
-            </a:r>
-          </a:p>
-          <a:p>
-            <a:pPr lvl="1"/>
-            <a:endParaRPr lang="en-IN" dirty="0"/>
-          </a:p>
-          <a:p>
-            <a:pPr lvl="1"/>
-            <a:endParaRPr lang="en-IN" dirty="0"/>
+              <a:t>Chunk overlap used to preserve context and improve performance</a:t>
+            </a:r>
+          </a:p>
+          <a:p>
+            <a:r>
+              <a:rPr lang="en-IN" dirty="0"/>
+              <a:t>Recursive Semantic Chunking:</a:t>
+            </a:r>
+          </a:p>
+          <a:p>
+            <a:pPr marL="688975" lvl="1" indent="-457200">
+              <a:buFont typeface="+mj-lt"/>
+              <a:buAutoNum type="arabicPeriod"/>
+            </a:pPr>
+            <a:r>
+              <a:rPr lang="en-IN" dirty="0"/>
+              <a:t>Find cosine distances between adjacent combined sentences with one sentence overlap</a:t>
+            </a:r>
+          </a:p>
+          <a:p>
+            <a:pPr marL="688975" lvl="1" indent="-457200">
+              <a:buFont typeface="+mj-lt"/>
+              <a:buAutoNum type="arabicPeriod"/>
+            </a:pPr>
+            <a:r>
+              <a:rPr lang="en-IN" dirty="0"/>
+              <a:t>Find distances which are greater than 95 percentile threshold as positions to split</a:t>
+            </a:r>
+          </a:p>
+          <a:p>
+            <a:pPr marL="688975" lvl="1" indent="-457200">
+              <a:buFont typeface="+mj-lt"/>
+              <a:buAutoNum type="arabicPeriod"/>
+            </a:pPr>
+            <a:r>
+              <a:rPr lang="en-IN" dirty="0"/>
+              <a:t>Group sentences within the split points together into a single chunk</a:t>
+            </a:r>
+          </a:p>
+          <a:p>
+            <a:pPr marL="688975" lvl="1" indent="-457200">
+              <a:buFont typeface="+mj-lt"/>
+              <a:buAutoNum type="arabicPeriod"/>
+            </a:pPr>
+            <a:r>
+              <a:rPr lang="en-IN" dirty="0"/>
+              <a:t>If a chunk is more than 512 token, repeat the steps 1,2 and 3</a:t>
+            </a:r>
           </a:p>
         </p:txBody>
       </p:sp>
     </p:spTree>
     <p:extLst>
       <p:ext uri="{BB962C8B-B14F-4D97-AF65-F5344CB8AC3E}">
-        <p14:creationId xmlns:p14="http://schemas.microsoft.com/office/powerpoint/2010/main" val="1196362762"/>
+        <p14:creationId xmlns:p14="http://schemas.microsoft.com/office/powerpoint/2010/main" val="802467596"/>
       </p:ext>
     </p:extLst>
   </p:cSld>
@@ -10491,38 +12248,10 @@
       </p:grpSpPr>
       <p:sp>
         <p:nvSpPr>
-          <p:cNvPr id="2" name="Title 1">
-            <a:extLst>
-              <a:ext uri="{FF2B5EF4-FFF2-40B4-BE49-F238E27FC236}">
-                <a16:creationId xmlns:a16="http://schemas.microsoft.com/office/drawing/2014/main" id="{C9312E18-B241-2342-013D-B6351083CAC1}"/>
-              </a:ext>
-            </a:extLst>
-          </p:cNvPr>
-          <p:cNvSpPr>
-            <a:spLocks noGrp="1"/>
-          </p:cNvSpPr>
-          <p:nvPr>
-            <p:ph type="title"/>
-          </p:nvPr>
-        </p:nvSpPr>
-        <p:spPr/>
-        <p:txBody>
-          <a:bodyPr/>
-          <a:lstStyle/>
-          <a:p>
-            <a:r>
-              <a:rPr lang="en-IN" dirty="0"/>
-              <a:t>Experimentation</a:t>
-            </a:r>
-          </a:p>
-        </p:txBody>
-      </p:sp>
-      <p:sp>
-        <p:nvSpPr>
           <p:cNvPr id="3" name="Content Placeholder 2">
             <a:extLst>
               <a:ext uri="{FF2B5EF4-FFF2-40B4-BE49-F238E27FC236}">
-                <a16:creationId xmlns:a16="http://schemas.microsoft.com/office/drawing/2014/main" id="{614F6956-0F3F-5A76-F02C-39ECC4E942E5}"/>
+                <a16:creationId xmlns:a16="http://schemas.microsoft.com/office/drawing/2014/main" id="{C106B2B8-EE5D-BCFA-F075-69C31F0C2DE4}"/>
               </a:ext>
             </a:extLst>
           </p:cNvPr>
@@ -10543,79 +12272,53 @@
             </a:pPr>
             <a:r>
               <a:rPr lang="en-IN" dirty="0"/>
-              <a:t>Employed Different versions of Large Language Models including finetuned models</a:t>
-            </a:r>
-          </a:p>
-          <a:p>
+              <a:t>Step 2 – Recursive Summarizing</a:t>
+            </a:r>
+          </a:p>
+          <a:p>
+            <a:pPr marL="688975" lvl="1" indent="-457200">
+              <a:buFont typeface="+mj-lt"/>
+              <a:buAutoNum type="arabicPeriod"/>
+            </a:pPr>
             <a:r>
               <a:rPr lang="en-IN" dirty="0"/>
-              <a:t>GPT2 – (Base, Medium)</a:t>
-            </a:r>
-          </a:p>
-          <a:p>
+              <a:t>Summarize each chunk individually and combine them into a single summary </a:t>
+            </a:r>
+          </a:p>
+          <a:p>
+            <a:pPr marL="688975" lvl="1" indent="-457200">
+              <a:buFont typeface="+mj-lt"/>
+              <a:buAutoNum type="arabicPeriod"/>
+            </a:pPr>
             <a:r>
               <a:rPr lang="en-IN" dirty="0"/>
-              <a:t>T5 – (Base, Small, Small finetuned </a:t>
-            </a:r>
-            <a:r>
-              <a:rPr lang="en-IN" dirty="0" err="1"/>
-              <a:t>Pubmed</a:t>
-            </a:r>
+              <a:t>Perform summarization again on the combined summary to get the final output summary of the article</a:t>
+            </a:r>
+          </a:p>
+          <a:p>
+            <a:pPr marL="688975" lvl="1" indent="-457200">
+              <a:buFont typeface="+mj-lt"/>
+              <a:buAutoNum type="arabicPeriod"/>
+            </a:pPr>
             <a:r>
               <a:rPr lang="en-IN" dirty="0"/>
-              <a:t>)</a:t>
-            </a:r>
-          </a:p>
-          <a:p>
-            <a:r>
-              <a:rPr lang="en-IN" dirty="0"/>
-              <a:t>Bart – (Base, Large, Base finetuned </a:t>
-            </a:r>
-            <a:r>
-              <a:rPr lang="en-IN" dirty="0" err="1"/>
-              <a:t>Pubmed</a:t>
-            </a:r>
-            <a:r>
-              <a:rPr lang="en-IN" dirty="0"/>
-              <a:t>)</a:t>
-            </a:r>
-          </a:p>
-          <a:p>
-            <a:r>
-              <a:rPr lang="en-IN" dirty="0"/>
-              <a:t>Pegasus-X – (Base, Large, finetuned </a:t>
-            </a:r>
-            <a:r>
-              <a:rPr lang="en-IN" dirty="0" err="1"/>
-              <a:t>Pubmed</a:t>
-            </a:r>
-            <a:r>
-              <a:rPr lang="en-IN" dirty="0"/>
-              <a:t>, </a:t>
-            </a:r>
-            <a:r>
-              <a:rPr lang="en-IN" dirty="0" err="1"/>
-              <a:t>bigbird</a:t>
-            </a:r>
-            <a:r>
-              <a:rPr lang="en-IN" dirty="0"/>
-              <a:t> </a:t>
-            </a:r>
-            <a:r>
-              <a:rPr lang="en-IN" dirty="0" err="1"/>
-              <a:t>pubmed</a:t>
-            </a:r>
-            <a:r>
-              <a:rPr lang="en-IN" dirty="0"/>
-              <a:t>)</a:t>
-            </a:r>
+              <a:t>If the combined summary is greater than 512 tokens, generate chunks of the combined summary and repeat steps 1 and 2</a:t>
+            </a:r>
+          </a:p>
+          <a:p>
+            <a:pPr lvl="1"/>
+            <a:endParaRPr lang="en-IN" dirty="0"/>
+          </a:p>
+          <a:p>
+            <a:pPr lvl="1"/>
+            <a:endParaRPr lang="en-IN" dirty="0"/>
           </a:p>
         </p:txBody>
       </p:sp>
     </p:spTree>
     <p:extLst>
       <p:ext uri="{BB962C8B-B14F-4D97-AF65-F5344CB8AC3E}">
-        <p14:creationId xmlns:p14="http://schemas.microsoft.com/office/powerpoint/2010/main" val="2965457519"/>
+        <p14:creationId xmlns:p14="http://schemas.microsoft.com/office/powerpoint/2010/main" val="1196362762"/>
       </p:ext>
     </p:extLst>
   </p:cSld>
@@ -10659,7 +12362,7 @@
           <p:cNvPr id="2" name="Title 1">
             <a:extLst>
               <a:ext uri="{FF2B5EF4-FFF2-40B4-BE49-F238E27FC236}">
-                <a16:creationId xmlns:a16="http://schemas.microsoft.com/office/drawing/2014/main" id="{B7059D74-C4E4-144C-3E67-9436DEFC807B}"/>
+                <a16:creationId xmlns:a16="http://schemas.microsoft.com/office/drawing/2014/main" id="{C9312E18-B241-2342-013D-B6351083CAC1}"/>
               </a:ext>
             </a:extLst>
           </p:cNvPr>
@@ -10677,7 +12380,7 @@
           <a:p>
             <a:r>
               <a:rPr lang="en-IN" dirty="0"/>
-              <a:t>Evaluation Metric</a:t>
+              <a:t>Experimentation</a:t>
             </a:r>
           </a:p>
         </p:txBody>
@@ -10687,7 +12390,7 @@
           <p:cNvPr id="3" name="Content Placeholder 2">
             <a:extLst>
               <a:ext uri="{FF2B5EF4-FFF2-40B4-BE49-F238E27FC236}">
-                <a16:creationId xmlns:a16="http://schemas.microsoft.com/office/drawing/2014/main" id="{297FA2B8-FAE4-5162-3030-3A99DCBB4080}"/>
+                <a16:creationId xmlns:a16="http://schemas.microsoft.com/office/drawing/2014/main" id="{614F6956-0F3F-5A76-F02C-39ECC4E942E5}"/>
               </a:ext>
             </a:extLst>
           </p:cNvPr>
@@ -10703,82 +12406,84 @@
           <a:bodyPr/>
           <a:lstStyle/>
           <a:p>
-            <a:r>
-              <a:rPr lang="en-IN" dirty="0"/>
-              <a:t>We pass predicted summary and reference summary (abstract text of article) of 100 records to find the performance metric ROUGE </a:t>
-            </a:r>
-          </a:p>
-          <a:p>
             <a:pPr marL="0" indent="0">
               <a:buNone/>
             </a:pPr>
             <a:r>
               <a:rPr lang="en-IN" dirty="0"/>
-              <a:t>ROUGE - </a:t>
-            </a:r>
-            <a:r>
-              <a:rPr lang="en-US" dirty="0"/>
-              <a:t>Recall-Oriented Understudy for </a:t>
-            </a:r>
-            <a:r>
-              <a:rPr lang="en-US" dirty="0" err="1"/>
-              <a:t>Gisting</a:t>
-            </a:r>
-            <a:r>
-              <a:rPr lang="en-US" dirty="0"/>
-              <a:t> Evaluation</a:t>
-            </a:r>
-          </a:p>
-          <a:p>
-            <a:pPr lvl="1"/>
-            <a:r>
-              <a:rPr lang="en-US" dirty="0"/>
-              <a:t>ROUGE 1 – unigram (1 gram) based scoring</a:t>
-            </a:r>
-          </a:p>
-          <a:p>
-            <a:pPr lvl="1"/>
-            <a:r>
-              <a:rPr lang="en-US" dirty="0"/>
-              <a:t>ROUGE 2 - bigram (2 gram) based scoring</a:t>
-            </a:r>
-          </a:p>
-          <a:p>
-            <a:pPr lvl="1"/>
-            <a:r>
-              <a:rPr lang="en-US" dirty="0"/>
-              <a:t>ROUGE L – Longest common subsequence based scoring (average of individual 	               sentences)</a:t>
-            </a:r>
-          </a:p>
-          <a:p>
-            <a:pPr lvl="1"/>
-            <a:r>
-              <a:rPr lang="en-US" dirty="0"/>
-              <a:t>ROUGE </a:t>
-            </a:r>
-            <a:r>
-              <a:rPr lang="en-US" dirty="0" err="1"/>
-              <a:t>Lsum</a:t>
-            </a:r>
-            <a:r>
-              <a:rPr lang="en-US" dirty="0"/>
-              <a:t> - Longest common subsequence based scoring over whole summary</a:t>
-            </a:r>
-          </a:p>
-          <a:p>
-            <a:pPr lvl="1"/>
-            <a:endParaRPr lang="en-US" dirty="0"/>
-          </a:p>
-          <a:p>
-            <a:pPr lvl="1"/>
-            <a:endParaRPr lang="en-IN" dirty="0"/>
+              <a:t>Employed Different versions of Large Language Models including finetuned models</a:t>
+            </a:r>
+          </a:p>
+          <a:p>
+            <a:r>
+              <a:rPr lang="en-IN" dirty="0"/>
+              <a:t>GPT2 – (Base, Medium)</a:t>
+            </a:r>
+          </a:p>
+          <a:p>
+            <a:r>
+              <a:rPr lang="en-IN" dirty="0"/>
+              <a:t>T5 – (Base, Small, Small finetuned </a:t>
+            </a:r>
+            <a:r>
+              <a:rPr lang="en-IN" dirty="0" err="1"/>
+              <a:t>Pubmed</a:t>
+            </a:r>
+            <a:r>
+              <a:rPr lang="en-IN" dirty="0"/>
+              <a:t>)</a:t>
+            </a:r>
+          </a:p>
+          <a:p>
+            <a:r>
+              <a:rPr lang="en-IN" dirty="0"/>
+              <a:t>Bart – (Base, Large, Base finetuned </a:t>
+            </a:r>
+            <a:r>
+              <a:rPr lang="en-IN" dirty="0" err="1"/>
+              <a:t>Pubmed</a:t>
+            </a:r>
+            <a:r>
+              <a:rPr lang="en-IN" dirty="0"/>
+              <a:t>)</a:t>
+            </a:r>
+          </a:p>
+          <a:p>
+            <a:r>
+              <a:rPr lang="en-IN" dirty="0"/>
+              <a:t>Pegasus-X – (Base, Large, finetuned </a:t>
+            </a:r>
+            <a:r>
+              <a:rPr lang="en-IN" dirty="0" err="1"/>
+              <a:t>Pubmed</a:t>
+            </a:r>
+            <a:r>
+              <a:rPr lang="en-IN" dirty="0"/>
+              <a:t>, </a:t>
+            </a:r>
+            <a:r>
+              <a:rPr lang="en-IN" dirty="0" err="1"/>
+              <a:t>bigbird</a:t>
+            </a:r>
+            <a:r>
+              <a:rPr lang="en-IN" dirty="0"/>
+              <a:t> </a:t>
+            </a:r>
+            <a:r>
+              <a:rPr lang="en-IN" dirty="0" err="1"/>
+              <a:t>pubmed</a:t>
+            </a:r>
+            <a:r>
+              <a:rPr lang="en-IN" dirty="0"/>
+              <a:t>)</a:t>
+            </a:r>
           </a:p>
         </p:txBody>
       </p:sp>
     </p:spTree>
     <p:extLst>
       <p:ext uri="{BB962C8B-B14F-4D97-AF65-F5344CB8AC3E}">
-        <p14:creationId xmlns:p14="http://schemas.microsoft.com/office/powerpoint/2010/main" val="1438598152"/>
+        <p14:creationId xmlns:p14="http://schemas.microsoft.com/office/powerpoint/2010/main" val="2965457519"/>
       </p:ext>
     </p:extLst>
   </p:cSld>
@@ -10819,7 +12524,13 @@
       </p:grpSpPr>
       <p:sp>
         <p:nvSpPr>
-          <p:cNvPr id="2" name="Title 1"/>
+          <p:cNvPr id="2" name="Title 1">
+            <a:extLst>
+              <a:ext uri="{FF2B5EF4-FFF2-40B4-BE49-F238E27FC236}">
+                <a16:creationId xmlns:a16="http://schemas.microsoft.com/office/drawing/2014/main" id="{B7059D74-C4E4-144C-3E67-9436DEFC807B}"/>
+              </a:ext>
+            </a:extLst>
+          </p:cNvPr>
           <p:cNvSpPr>
             <a:spLocks noGrp="1"/>
           </p:cNvSpPr>
@@ -10827,1644 +12538,115 @@
             <p:ph type="title"/>
           </p:nvPr>
         </p:nvSpPr>
-        <p:spPr>
-          <a:xfrm>
-            <a:off x="1522413" y="381000"/>
-            <a:ext cx="9144001" cy="1535832"/>
-          </a:xfrm>
-        </p:spPr>
+        <p:spPr/>
         <p:txBody>
-          <a:bodyPr>
-            <a:normAutofit/>
-          </a:bodyPr>
+          <a:bodyPr/>
           <a:lstStyle/>
           <a:p>
             <a:r>
-              <a:rPr lang="en-US" dirty="0"/>
-              <a:t>Results (Chunking)</a:t>
-            </a:r>
-            <a:endParaRPr lang="en-US" sz="2700" dirty="0"/>
+              <a:rPr lang="en-IN" dirty="0"/>
+              <a:t>Evaluation Metric</a:t>
+            </a:r>
           </a:p>
         </p:txBody>
       </p:sp>
-      <p:graphicFrame>
-        <p:nvGraphicFramePr>
-          <p:cNvPr id="9" name="Content Placeholder 8"/>
-          <p:cNvGraphicFramePr>
-            <a:graphicFrameLocks noGrp="1"/>
-          </p:cNvGraphicFramePr>
-          <p:nvPr>
-            <p:ph sz="half" idx="2"/>
-            <p:extLst>
-              <p:ext uri="{D42A27DB-BD31-4B8C-83A1-F6EECF244321}">
-                <p14:modId xmlns:p14="http://schemas.microsoft.com/office/powerpoint/2010/main" val="3800602484"/>
-              </p:ext>
-            </p:extLst>
-          </p:nvPr>
-        </p:nvGraphicFramePr>
-        <p:xfrm>
-          <a:off x="310246" y="2183376"/>
-          <a:ext cx="5042617" cy="4297680"/>
-        </p:xfrm>
-        <a:graphic>
-          <a:graphicData uri="http://schemas.openxmlformats.org/drawingml/2006/table">
-            <a:tbl>
-              <a:tblPr firstRow="1" bandRow="1">
-                <a:tableStyleId>{073A0DAA-6AF3-43AB-8588-CEC1D06C72B9}</a:tableStyleId>
-              </a:tblPr>
-              <a:tblGrid>
-                <a:gridCol w="1008111">
-                  <a:extLst>
-                    <a:ext uri="{9D8B030D-6E8A-4147-A177-3AD203B41FA5}">
-                      <a16:colId xmlns:a16="http://schemas.microsoft.com/office/drawing/2014/main" val="20000"/>
-                    </a:ext>
-                  </a:extLst>
-                </a:gridCol>
-                <a:gridCol w="1008112">
-                  <a:extLst>
-                    <a:ext uri="{9D8B030D-6E8A-4147-A177-3AD203B41FA5}">
-                      <a16:colId xmlns:a16="http://schemas.microsoft.com/office/drawing/2014/main" val="20001"/>
-                    </a:ext>
-                  </a:extLst>
-                </a:gridCol>
-                <a:gridCol w="1008112">
-                  <a:extLst>
-                    <a:ext uri="{9D8B030D-6E8A-4147-A177-3AD203B41FA5}">
-                      <a16:colId xmlns:a16="http://schemas.microsoft.com/office/drawing/2014/main" val="20002"/>
-                    </a:ext>
-                  </a:extLst>
-                </a:gridCol>
-                <a:gridCol w="1080120">
-                  <a:extLst>
-                    <a:ext uri="{9D8B030D-6E8A-4147-A177-3AD203B41FA5}">
-                      <a16:colId xmlns:a16="http://schemas.microsoft.com/office/drawing/2014/main" val="1190055206"/>
-                    </a:ext>
-                  </a:extLst>
-                </a:gridCol>
-                <a:gridCol w="938162">
-                  <a:extLst>
-                    <a:ext uri="{9D8B030D-6E8A-4147-A177-3AD203B41FA5}">
-                      <a16:colId xmlns:a16="http://schemas.microsoft.com/office/drawing/2014/main" val="1809116071"/>
-                    </a:ext>
-                  </a:extLst>
-                </a:gridCol>
-              </a:tblGrid>
-              <a:tr h="549036">
-                <a:tc>
-                  <a:txBody>
-                    <a:bodyPr/>
-                    <a:lstStyle/>
-                    <a:p>
-                      <a:r>
-                        <a:rPr lang="en-US" dirty="0"/>
-                        <a:t>Model</a:t>
-                      </a:r>
-                    </a:p>
-                  </a:txBody>
-                  <a:tcPr anchor="ctr"/>
-                </a:tc>
-                <a:tc>
-                  <a:txBody>
-                    <a:bodyPr/>
-                    <a:lstStyle/>
-                    <a:p>
-                      <a:pPr algn="ctr"/>
-                      <a:r>
-                        <a:rPr lang="en-US" dirty="0"/>
-                        <a:t>Rouge 1</a:t>
-                      </a:r>
-                    </a:p>
-                  </a:txBody>
-                  <a:tcPr anchor="ctr"/>
-                </a:tc>
-                <a:tc>
-                  <a:txBody>
-                    <a:bodyPr/>
-                    <a:lstStyle/>
-                    <a:p>
-                      <a:pPr algn="ctr"/>
-                      <a:r>
-                        <a:rPr lang="en-US" dirty="0"/>
-                        <a:t>Rouge 2</a:t>
-                      </a:r>
-                    </a:p>
-                  </a:txBody>
-                  <a:tcPr anchor="ctr"/>
-                </a:tc>
-                <a:tc>
-                  <a:txBody>
-                    <a:bodyPr/>
-                    <a:lstStyle/>
-                    <a:p>
-                      <a:pPr algn="ctr"/>
-                      <a:r>
-                        <a:rPr lang="en-US" dirty="0"/>
-                        <a:t>Rouge L</a:t>
-                      </a:r>
-                    </a:p>
-                  </a:txBody>
-                  <a:tcPr anchor="ctr"/>
-                </a:tc>
-                <a:tc>
-                  <a:txBody>
-                    <a:bodyPr/>
-                    <a:lstStyle/>
-                    <a:p>
-                      <a:pPr algn="ctr"/>
-                      <a:r>
-                        <a:rPr lang="en-US" dirty="0"/>
-                        <a:t>Rouge </a:t>
-                      </a:r>
-                      <a:r>
-                        <a:rPr lang="en-US" dirty="0" err="1"/>
-                        <a:t>Lsum</a:t>
-                      </a:r>
-                      <a:endParaRPr lang="en-US" dirty="0"/>
-                    </a:p>
-                  </a:txBody>
-                  <a:tcPr anchor="ctr"/>
-                </a:tc>
-                <a:extLst>
-                  <a:ext uri="{0D108BD9-81ED-4DB2-BD59-A6C34878D82A}">
-                    <a16:rowId xmlns:a16="http://schemas.microsoft.com/office/drawing/2014/main" val="10000"/>
-                  </a:ext>
-                </a:extLst>
-              </a:tr>
-              <a:tr h="326520">
-                <a:tc>
-                  <a:txBody>
-                    <a:bodyPr/>
-                    <a:lstStyle/>
-                    <a:p>
-                      <a:r>
-                        <a:rPr lang="en-US" dirty="0"/>
-                        <a:t>GPT</a:t>
-                      </a:r>
-                      <a:r>
-                        <a:rPr lang="en-US" baseline="0" dirty="0"/>
-                        <a:t>2</a:t>
-                      </a:r>
-                      <a:endParaRPr lang="en-US" dirty="0"/>
-                    </a:p>
-                  </a:txBody>
-                  <a:tcPr anchor="ctr">
-                    <a:solidFill>
-                      <a:schemeClr val="bg2">
-                        <a:lumMod val="50000"/>
-                        <a:lumOff val="50000"/>
-                      </a:schemeClr>
-                    </a:solidFill>
-                  </a:tcPr>
-                </a:tc>
-                <a:tc>
-                  <a:txBody>
-                    <a:bodyPr/>
-                    <a:lstStyle/>
-                    <a:p>
-                      <a:pPr algn="ctr"/>
-                      <a:r>
-                        <a:rPr lang="en-US" dirty="0"/>
-                        <a:t>18.4</a:t>
-                      </a:r>
-                    </a:p>
-                  </a:txBody>
-                  <a:tcPr anchor="ctr">
-                    <a:solidFill>
-                      <a:schemeClr val="bg2">
-                        <a:lumMod val="50000"/>
-                        <a:lumOff val="50000"/>
-                      </a:schemeClr>
-                    </a:solidFill>
-                  </a:tcPr>
-                </a:tc>
-                <a:tc>
-                  <a:txBody>
-                    <a:bodyPr/>
-                    <a:lstStyle/>
-                    <a:p>
-                      <a:pPr algn="ctr"/>
-                      <a:r>
-                        <a:rPr lang="en-US" dirty="0"/>
-                        <a:t>1.7</a:t>
-                      </a:r>
-                    </a:p>
-                  </a:txBody>
-                  <a:tcPr anchor="ctr">
-                    <a:solidFill>
-                      <a:schemeClr val="bg2">
-                        <a:lumMod val="50000"/>
-                        <a:lumOff val="50000"/>
-                      </a:schemeClr>
-                    </a:solidFill>
-                  </a:tcPr>
-                </a:tc>
-                <a:tc>
-                  <a:txBody>
-                    <a:bodyPr/>
-                    <a:lstStyle/>
-                    <a:p>
-                      <a:pPr algn="ctr"/>
-                      <a:r>
-                        <a:rPr lang="en-US" dirty="0"/>
-                        <a:t>9.94</a:t>
-                      </a:r>
-                    </a:p>
-                  </a:txBody>
-                  <a:tcPr anchor="ctr">
-                    <a:solidFill>
-                      <a:schemeClr val="bg2">
-                        <a:lumMod val="50000"/>
-                        <a:lumOff val="50000"/>
-                      </a:schemeClr>
-                    </a:solidFill>
-                  </a:tcPr>
-                </a:tc>
-                <a:tc>
-                  <a:txBody>
-                    <a:bodyPr/>
-                    <a:lstStyle/>
-                    <a:p>
-                      <a:pPr algn="ctr"/>
-                      <a:r>
-                        <a:rPr lang="en-US" dirty="0"/>
-                        <a:t>12.09</a:t>
-                      </a:r>
-                    </a:p>
-                  </a:txBody>
-                  <a:tcPr anchor="ctr">
-                    <a:solidFill>
-                      <a:schemeClr val="bg2">
-                        <a:lumMod val="50000"/>
-                        <a:lumOff val="50000"/>
-                      </a:schemeClr>
-                    </a:solidFill>
-                  </a:tcPr>
-                </a:tc>
-                <a:extLst>
-                  <a:ext uri="{0D108BD9-81ED-4DB2-BD59-A6C34878D82A}">
-                    <a16:rowId xmlns:a16="http://schemas.microsoft.com/office/drawing/2014/main" val="10002"/>
-                  </a:ext>
-                </a:extLst>
-              </a:tr>
-              <a:tr h="549036">
-                <a:tc>
-                  <a:txBody>
-                    <a:bodyPr/>
-                    <a:lstStyle/>
-                    <a:p>
-                      <a:r>
-                        <a:rPr lang="en-US" dirty="0"/>
-                        <a:t>GPT2 Medium</a:t>
-                      </a:r>
-                    </a:p>
-                  </a:txBody>
-                  <a:tcPr anchor="ctr">
-                    <a:solidFill>
-                      <a:schemeClr val="bg2">
-                        <a:lumMod val="50000"/>
-                        <a:lumOff val="50000"/>
-                      </a:schemeClr>
-                    </a:solidFill>
-                  </a:tcPr>
-                </a:tc>
-                <a:tc>
-                  <a:txBody>
-                    <a:bodyPr/>
-                    <a:lstStyle/>
-                    <a:p>
-                      <a:pPr algn="ctr"/>
-                      <a:r>
-                        <a:rPr lang="en-US" dirty="0"/>
-                        <a:t>18.8</a:t>
-                      </a:r>
-                    </a:p>
-                  </a:txBody>
-                  <a:tcPr anchor="ctr">
-                    <a:solidFill>
-                      <a:schemeClr val="bg2">
-                        <a:lumMod val="50000"/>
-                        <a:lumOff val="50000"/>
-                      </a:schemeClr>
-                    </a:solidFill>
-                  </a:tcPr>
-                </a:tc>
-                <a:tc>
-                  <a:txBody>
-                    <a:bodyPr/>
-                    <a:lstStyle/>
-                    <a:p>
-                      <a:pPr algn="ctr"/>
-                      <a:r>
-                        <a:rPr lang="en-US" dirty="0"/>
-                        <a:t>1.9</a:t>
-                      </a:r>
-                    </a:p>
-                  </a:txBody>
-                  <a:tcPr anchor="ctr">
-                    <a:solidFill>
-                      <a:schemeClr val="bg2">
-                        <a:lumMod val="50000"/>
-                        <a:lumOff val="50000"/>
-                      </a:schemeClr>
-                    </a:solidFill>
-                  </a:tcPr>
-                </a:tc>
-                <a:tc>
-                  <a:txBody>
-                    <a:bodyPr/>
-                    <a:lstStyle/>
-                    <a:p>
-                      <a:pPr algn="ctr"/>
-                      <a:r>
-                        <a:rPr lang="en-US" dirty="0"/>
-                        <a:t>9.91</a:t>
-                      </a:r>
-                    </a:p>
-                  </a:txBody>
-                  <a:tcPr anchor="ctr">
-                    <a:solidFill>
-                      <a:schemeClr val="bg2">
-                        <a:lumMod val="50000"/>
-                        <a:lumOff val="50000"/>
-                      </a:schemeClr>
-                    </a:solidFill>
-                  </a:tcPr>
-                </a:tc>
-                <a:tc>
-                  <a:txBody>
-                    <a:bodyPr/>
-                    <a:lstStyle/>
-                    <a:p>
-                      <a:pPr algn="ctr"/>
-                      <a:r>
-                        <a:rPr lang="en-US" dirty="0"/>
-                        <a:t>12.09</a:t>
-                      </a:r>
-                    </a:p>
-                  </a:txBody>
-                  <a:tcPr anchor="ctr">
-                    <a:solidFill>
-                      <a:schemeClr val="bg2">
-                        <a:lumMod val="50000"/>
-                        <a:lumOff val="50000"/>
-                      </a:schemeClr>
-                    </a:solidFill>
-                  </a:tcPr>
-                </a:tc>
-                <a:extLst>
-                  <a:ext uri="{0D108BD9-81ED-4DB2-BD59-A6C34878D82A}">
-                    <a16:rowId xmlns:a16="http://schemas.microsoft.com/office/drawing/2014/main" val="10003"/>
-                  </a:ext>
-                </a:extLst>
-              </a:tr>
-              <a:tr h="332952">
-                <a:tc>
-                  <a:txBody>
-                    <a:bodyPr/>
-                    <a:lstStyle/>
-                    <a:p>
-                      <a:r>
-                        <a:rPr lang="en-US" dirty="0"/>
-                        <a:t>T5 Base</a:t>
-                      </a:r>
-                    </a:p>
-                  </a:txBody>
-                  <a:tcPr anchor="ctr">
-                    <a:solidFill>
-                      <a:schemeClr val="accent5">
-                        <a:lumMod val="75000"/>
-                      </a:schemeClr>
-                    </a:solidFill>
-                  </a:tcPr>
-                </a:tc>
-                <a:tc>
-                  <a:txBody>
-                    <a:bodyPr/>
-                    <a:lstStyle/>
-                    <a:p>
-                      <a:pPr algn="ctr"/>
-                      <a:r>
-                        <a:rPr lang="en-US" dirty="0"/>
-                        <a:t>16.9</a:t>
-                      </a:r>
-                    </a:p>
-                  </a:txBody>
-                  <a:tcPr anchor="ctr">
-                    <a:solidFill>
-                      <a:schemeClr val="accent5">
-                        <a:lumMod val="75000"/>
-                      </a:schemeClr>
-                    </a:solidFill>
-                  </a:tcPr>
-                </a:tc>
-                <a:tc>
-                  <a:txBody>
-                    <a:bodyPr/>
-                    <a:lstStyle/>
-                    <a:p>
-                      <a:pPr algn="ctr"/>
-                      <a:r>
-                        <a:rPr lang="en-US" dirty="0"/>
-                        <a:t>5.7</a:t>
-                      </a:r>
-                    </a:p>
-                  </a:txBody>
-                  <a:tcPr anchor="ctr">
-                    <a:solidFill>
-                      <a:schemeClr val="accent5">
-                        <a:lumMod val="75000"/>
-                      </a:schemeClr>
-                    </a:solidFill>
-                  </a:tcPr>
-                </a:tc>
-                <a:tc>
-                  <a:txBody>
-                    <a:bodyPr/>
-                    <a:lstStyle/>
-                    <a:p>
-                      <a:pPr algn="ctr"/>
-                      <a:r>
-                        <a:rPr lang="en-US" dirty="0"/>
-                        <a:t>12.2</a:t>
-                      </a:r>
-                    </a:p>
-                  </a:txBody>
-                  <a:tcPr anchor="ctr">
-                    <a:solidFill>
-                      <a:schemeClr val="accent5">
-                        <a:lumMod val="75000"/>
-                      </a:schemeClr>
-                    </a:solidFill>
-                  </a:tcPr>
-                </a:tc>
-                <a:tc>
-                  <a:txBody>
-                    <a:bodyPr/>
-                    <a:lstStyle/>
-                    <a:p>
-                      <a:pPr algn="ctr"/>
-                      <a:r>
-                        <a:rPr lang="en-US" dirty="0"/>
-                        <a:t>12.3</a:t>
-                      </a:r>
-                    </a:p>
-                  </a:txBody>
-                  <a:tcPr anchor="ctr">
-                    <a:solidFill>
-                      <a:schemeClr val="accent5">
-                        <a:lumMod val="75000"/>
-                      </a:schemeClr>
-                    </a:solidFill>
-                  </a:tcPr>
-                </a:tc>
-                <a:extLst>
-                  <a:ext uri="{0D108BD9-81ED-4DB2-BD59-A6C34878D82A}">
-                    <a16:rowId xmlns:a16="http://schemas.microsoft.com/office/drawing/2014/main" val="1564377738"/>
-                  </a:ext>
-                </a:extLst>
-              </a:tr>
-              <a:tr h="332952">
-                <a:tc>
-                  <a:txBody>
-                    <a:bodyPr/>
-                    <a:lstStyle/>
-                    <a:p>
-                      <a:r>
-                        <a:rPr lang="en-US" dirty="0"/>
-                        <a:t>T5 Small</a:t>
-                      </a:r>
-                    </a:p>
-                  </a:txBody>
-                  <a:tcPr anchor="ctr">
-                    <a:solidFill>
-                      <a:schemeClr val="accent5">
-                        <a:lumMod val="75000"/>
-                      </a:schemeClr>
-                    </a:solidFill>
-                  </a:tcPr>
-                </a:tc>
-                <a:tc>
-                  <a:txBody>
-                    <a:bodyPr/>
-                    <a:lstStyle/>
-                    <a:p>
-                      <a:pPr algn="ctr"/>
-                      <a:r>
-                        <a:rPr lang="en-US" dirty="0"/>
-                        <a:t>18.1</a:t>
-                      </a:r>
-                    </a:p>
-                  </a:txBody>
-                  <a:tcPr anchor="ctr">
-                    <a:solidFill>
-                      <a:schemeClr val="accent5">
-                        <a:lumMod val="75000"/>
-                      </a:schemeClr>
-                    </a:solidFill>
-                  </a:tcPr>
-                </a:tc>
-                <a:tc>
-                  <a:txBody>
-                    <a:bodyPr/>
-                    <a:lstStyle/>
-                    <a:p>
-                      <a:pPr algn="ctr"/>
-                      <a:r>
-                        <a:rPr lang="en-US" dirty="0"/>
-                        <a:t>6.2</a:t>
-                      </a:r>
-                    </a:p>
-                  </a:txBody>
-                  <a:tcPr anchor="ctr">
-                    <a:solidFill>
-                      <a:schemeClr val="accent5">
-                        <a:lumMod val="75000"/>
-                      </a:schemeClr>
-                    </a:solidFill>
-                  </a:tcPr>
-                </a:tc>
-                <a:tc>
-                  <a:txBody>
-                    <a:bodyPr/>
-                    <a:lstStyle/>
-                    <a:p>
-                      <a:pPr algn="ctr"/>
-                      <a:r>
-                        <a:rPr lang="en-US" dirty="0"/>
-                        <a:t>12.9</a:t>
-                      </a:r>
-                    </a:p>
-                  </a:txBody>
-                  <a:tcPr anchor="ctr">
-                    <a:solidFill>
-                      <a:schemeClr val="accent5">
-                        <a:lumMod val="75000"/>
-                      </a:schemeClr>
-                    </a:solidFill>
-                  </a:tcPr>
-                </a:tc>
-                <a:tc>
-                  <a:txBody>
-                    <a:bodyPr/>
-                    <a:lstStyle/>
-                    <a:p>
-                      <a:pPr algn="ctr"/>
-                      <a:r>
-                        <a:rPr lang="en-US" dirty="0"/>
-                        <a:t>13.07</a:t>
-                      </a:r>
-                    </a:p>
-                  </a:txBody>
-                  <a:tcPr anchor="ctr">
-                    <a:solidFill>
-                      <a:schemeClr val="accent5">
-                        <a:lumMod val="75000"/>
-                      </a:schemeClr>
-                    </a:solidFill>
-                  </a:tcPr>
-                </a:tc>
-                <a:extLst>
-                  <a:ext uri="{0D108BD9-81ED-4DB2-BD59-A6C34878D82A}">
-                    <a16:rowId xmlns:a16="http://schemas.microsoft.com/office/drawing/2014/main" val="1879937733"/>
-                  </a:ext>
-                </a:extLst>
-              </a:tr>
-              <a:tr h="549036">
-                <a:tc>
-                  <a:txBody>
-                    <a:bodyPr/>
-                    <a:lstStyle/>
-                    <a:p>
-                      <a:r>
-                        <a:rPr lang="en-US" dirty="0"/>
-                        <a:t>T5 </a:t>
-                      </a:r>
-                      <a:r>
-                        <a:rPr lang="en-US" dirty="0" err="1"/>
-                        <a:t>Pubmed</a:t>
-                      </a:r>
-                      <a:endParaRPr lang="en-US" dirty="0"/>
-                    </a:p>
-                  </a:txBody>
-                  <a:tcPr anchor="ctr">
-                    <a:solidFill>
-                      <a:schemeClr val="accent5">
-                        <a:lumMod val="75000"/>
-                      </a:schemeClr>
-                    </a:solidFill>
-                  </a:tcPr>
-                </a:tc>
-                <a:tc>
-                  <a:txBody>
-                    <a:bodyPr/>
-                    <a:lstStyle/>
-                    <a:p>
-                      <a:pPr algn="ctr"/>
-                      <a:r>
-                        <a:rPr lang="en-US" dirty="0"/>
-                        <a:t>12.7</a:t>
-                      </a:r>
-                    </a:p>
-                  </a:txBody>
-                  <a:tcPr anchor="ctr">
-                    <a:solidFill>
-                      <a:schemeClr val="accent5">
-                        <a:lumMod val="75000"/>
-                      </a:schemeClr>
-                    </a:solidFill>
-                  </a:tcPr>
-                </a:tc>
-                <a:tc>
-                  <a:txBody>
-                    <a:bodyPr/>
-                    <a:lstStyle/>
-                    <a:p>
-                      <a:pPr algn="ctr"/>
-                      <a:r>
-                        <a:rPr lang="en-US" dirty="0"/>
-                        <a:t>4.9</a:t>
-                      </a:r>
-                    </a:p>
-                  </a:txBody>
-                  <a:tcPr anchor="ctr">
-                    <a:solidFill>
-                      <a:schemeClr val="accent5">
-                        <a:lumMod val="75000"/>
-                      </a:schemeClr>
-                    </a:solidFill>
-                  </a:tcPr>
-                </a:tc>
-                <a:tc>
-                  <a:txBody>
-                    <a:bodyPr/>
-                    <a:lstStyle/>
-                    <a:p>
-                      <a:pPr algn="ctr"/>
-                      <a:r>
-                        <a:rPr lang="en-US" dirty="0"/>
-                        <a:t>10</a:t>
-                      </a:r>
-                    </a:p>
-                  </a:txBody>
-                  <a:tcPr anchor="ctr">
-                    <a:solidFill>
-                      <a:schemeClr val="accent5">
-                        <a:lumMod val="75000"/>
-                      </a:schemeClr>
-                    </a:solidFill>
-                  </a:tcPr>
-                </a:tc>
-                <a:tc>
-                  <a:txBody>
-                    <a:bodyPr/>
-                    <a:lstStyle/>
-                    <a:p>
-                      <a:pPr algn="ctr"/>
-                      <a:r>
-                        <a:rPr lang="en-US" dirty="0"/>
-                        <a:t>10.1</a:t>
-                      </a:r>
-                    </a:p>
-                  </a:txBody>
-                  <a:tcPr anchor="ctr">
-                    <a:solidFill>
-                      <a:schemeClr val="accent5">
-                        <a:lumMod val="75000"/>
-                      </a:schemeClr>
-                    </a:solidFill>
-                  </a:tcPr>
-                </a:tc>
-                <a:extLst>
-                  <a:ext uri="{0D108BD9-81ED-4DB2-BD59-A6C34878D82A}">
-                    <a16:rowId xmlns:a16="http://schemas.microsoft.com/office/drawing/2014/main" val="860175760"/>
-                  </a:ext>
-                </a:extLst>
-              </a:tr>
-              <a:tr h="549036">
-                <a:tc>
-                  <a:txBody>
-                    <a:bodyPr/>
-                    <a:lstStyle/>
-                    <a:p>
-                      <a:r>
-                        <a:rPr lang="en-US" dirty="0"/>
-                        <a:t>BART Base</a:t>
-                      </a:r>
-                    </a:p>
-                  </a:txBody>
-                  <a:tcPr anchor="ctr">
-                    <a:solidFill>
-                      <a:schemeClr val="accent3">
-                        <a:lumMod val="75000"/>
-                      </a:schemeClr>
-                    </a:solidFill>
-                  </a:tcPr>
-                </a:tc>
-                <a:tc>
-                  <a:txBody>
-                    <a:bodyPr/>
-                    <a:lstStyle/>
-                    <a:p>
-                      <a:pPr algn="ctr"/>
-                      <a:r>
-                        <a:rPr lang="en-US" dirty="0"/>
-                        <a:t>33.4</a:t>
-                      </a:r>
-                    </a:p>
-                  </a:txBody>
-                  <a:tcPr anchor="ctr">
-                    <a:solidFill>
-                      <a:schemeClr val="accent3">
-                        <a:lumMod val="75000"/>
-                      </a:schemeClr>
-                    </a:solidFill>
-                  </a:tcPr>
-                </a:tc>
-                <a:tc>
-                  <a:txBody>
-                    <a:bodyPr/>
-                    <a:lstStyle/>
-                    <a:p>
-                      <a:pPr algn="ctr"/>
-                      <a:r>
-                        <a:rPr lang="en-US" dirty="0"/>
-                        <a:t>11.4</a:t>
-                      </a:r>
-                    </a:p>
-                  </a:txBody>
-                  <a:tcPr anchor="ctr">
-                    <a:solidFill>
-                      <a:schemeClr val="accent3">
-                        <a:lumMod val="75000"/>
-                      </a:schemeClr>
-                    </a:solidFill>
-                  </a:tcPr>
-                </a:tc>
-                <a:tc>
-                  <a:txBody>
-                    <a:bodyPr/>
-                    <a:lstStyle/>
-                    <a:p>
-                      <a:pPr algn="ctr"/>
-                      <a:r>
-                        <a:rPr lang="en-US" dirty="0"/>
-                        <a:t>19.2</a:t>
-                      </a:r>
-                    </a:p>
-                  </a:txBody>
-                  <a:tcPr anchor="ctr">
-                    <a:solidFill>
-                      <a:schemeClr val="accent3">
-                        <a:lumMod val="75000"/>
-                      </a:schemeClr>
-                    </a:solidFill>
-                  </a:tcPr>
-                </a:tc>
-                <a:tc>
-                  <a:txBody>
-                    <a:bodyPr/>
-                    <a:lstStyle/>
-                    <a:p>
-                      <a:pPr algn="ctr"/>
-                      <a:r>
-                        <a:rPr lang="en-US" dirty="0"/>
-                        <a:t>19.6</a:t>
-                      </a:r>
-                    </a:p>
-                  </a:txBody>
-                  <a:tcPr anchor="ctr">
-                    <a:solidFill>
-                      <a:schemeClr val="accent3">
-                        <a:lumMod val="75000"/>
-                      </a:schemeClr>
-                    </a:solidFill>
-                  </a:tcPr>
-                </a:tc>
-                <a:extLst>
-                  <a:ext uri="{0D108BD9-81ED-4DB2-BD59-A6C34878D82A}">
-                    <a16:rowId xmlns:a16="http://schemas.microsoft.com/office/drawing/2014/main" val="1389289216"/>
-                  </a:ext>
-                </a:extLst>
-              </a:tr>
-              <a:tr h="549036">
-                <a:tc>
-                  <a:txBody>
-                    <a:bodyPr/>
-                    <a:lstStyle/>
-                    <a:p>
-                      <a:r>
-                        <a:rPr lang="en-US" dirty="0"/>
-                        <a:t>BART Large</a:t>
-                      </a:r>
-                    </a:p>
-                  </a:txBody>
-                  <a:tcPr anchor="ctr">
-                    <a:solidFill>
-                      <a:schemeClr val="accent3">
-                        <a:lumMod val="75000"/>
-                      </a:schemeClr>
-                    </a:solidFill>
-                  </a:tcPr>
-                </a:tc>
-                <a:tc>
-                  <a:txBody>
-                    <a:bodyPr/>
-                    <a:lstStyle/>
-                    <a:p>
-                      <a:pPr algn="ctr"/>
-                      <a:r>
-                        <a:rPr lang="en-US" dirty="0"/>
-                        <a:t>30.9</a:t>
-                      </a:r>
-                    </a:p>
-                  </a:txBody>
-                  <a:tcPr anchor="ctr">
-                    <a:solidFill>
-                      <a:schemeClr val="accent3">
-                        <a:lumMod val="75000"/>
-                      </a:schemeClr>
-                    </a:solidFill>
-                  </a:tcPr>
-                </a:tc>
-                <a:tc>
-                  <a:txBody>
-                    <a:bodyPr/>
-                    <a:lstStyle/>
-                    <a:p>
-                      <a:pPr algn="ctr"/>
-                      <a:r>
-                        <a:rPr lang="en-US" dirty="0"/>
-                        <a:t>8.6</a:t>
-                      </a:r>
-                    </a:p>
-                  </a:txBody>
-                  <a:tcPr anchor="ctr">
-                    <a:solidFill>
-                      <a:schemeClr val="accent3">
-                        <a:lumMod val="75000"/>
-                      </a:schemeClr>
-                    </a:solidFill>
-                  </a:tcPr>
-                </a:tc>
-                <a:tc>
-                  <a:txBody>
-                    <a:bodyPr/>
-                    <a:lstStyle/>
-                    <a:p>
-                      <a:pPr algn="ctr"/>
-                      <a:r>
-                        <a:rPr lang="en-US" dirty="0"/>
-                        <a:t>17.2</a:t>
-                      </a:r>
-                    </a:p>
-                  </a:txBody>
-                  <a:tcPr anchor="ctr">
-                    <a:solidFill>
-                      <a:schemeClr val="accent3">
-                        <a:lumMod val="75000"/>
-                      </a:schemeClr>
-                    </a:solidFill>
-                  </a:tcPr>
-                </a:tc>
-                <a:tc>
-                  <a:txBody>
-                    <a:bodyPr/>
-                    <a:lstStyle/>
-                    <a:p>
-                      <a:pPr algn="ctr"/>
-                      <a:r>
-                        <a:rPr lang="en-US" dirty="0"/>
-                        <a:t>17.5</a:t>
-                      </a:r>
-                    </a:p>
-                  </a:txBody>
-                  <a:tcPr anchor="ctr">
-                    <a:solidFill>
-                      <a:schemeClr val="accent3">
-                        <a:lumMod val="75000"/>
-                      </a:schemeClr>
-                    </a:solidFill>
-                  </a:tcPr>
-                </a:tc>
-                <a:extLst>
-                  <a:ext uri="{0D108BD9-81ED-4DB2-BD59-A6C34878D82A}">
-                    <a16:rowId xmlns:a16="http://schemas.microsoft.com/office/drawing/2014/main" val="3580046169"/>
-                  </a:ext>
-                </a:extLst>
-              </a:tr>
-            </a:tbl>
-          </a:graphicData>
-        </a:graphic>
-      </p:graphicFrame>
-      <p:graphicFrame>
-        <p:nvGraphicFramePr>
-          <p:cNvPr id="8" name="Content Placeholder 8">
+      <p:sp>
+        <p:nvSpPr>
+          <p:cNvPr id="3" name="Content Placeholder 2">
             <a:extLst>
               <a:ext uri="{FF2B5EF4-FFF2-40B4-BE49-F238E27FC236}">
-                <a16:creationId xmlns:a16="http://schemas.microsoft.com/office/drawing/2014/main" id="{F2660981-991B-1308-3AAC-0272C6FD31D8}"/>
+                <a16:creationId xmlns:a16="http://schemas.microsoft.com/office/drawing/2014/main" id="{297FA2B8-FAE4-5162-3030-3A99DCBB4080}"/>
               </a:ext>
             </a:extLst>
           </p:cNvPr>
-          <p:cNvGraphicFramePr>
-            <a:graphicFrameLocks/>
-          </p:cNvGraphicFramePr>
+          <p:cNvSpPr>
+            <a:spLocks noGrp="1"/>
+          </p:cNvSpPr>
           <p:nvPr>
-            <p:extLst>
-              <p:ext uri="{D42A27DB-BD31-4B8C-83A1-F6EECF244321}">
-                <p14:modId xmlns:p14="http://schemas.microsoft.com/office/powerpoint/2010/main" val="2620495847"/>
-              </p:ext>
-            </p:extLst>
+            <p:ph idx="1"/>
           </p:nvPr>
-        </p:nvGraphicFramePr>
-        <p:xfrm>
-          <a:off x="5613886" y="2356926"/>
-          <a:ext cx="6264693" cy="4114800"/>
-        </p:xfrm>
-        <a:graphic>
-          <a:graphicData uri="http://schemas.openxmlformats.org/drawingml/2006/table">
-            <a:tbl>
-              <a:tblPr firstRow="1" bandRow="1">
-                <a:tableStyleId>{073A0DAA-6AF3-43AB-8588-CEC1D06C72B9}</a:tableStyleId>
-              </a:tblPr>
-              <a:tblGrid>
-                <a:gridCol w="1255445">
-                  <a:extLst>
-                    <a:ext uri="{9D8B030D-6E8A-4147-A177-3AD203B41FA5}">
-                      <a16:colId xmlns:a16="http://schemas.microsoft.com/office/drawing/2014/main" val="20000"/>
-                    </a:ext>
-                  </a:extLst>
-                </a:gridCol>
-                <a:gridCol w="1252312">
-                  <a:extLst>
-                    <a:ext uri="{9D8B030D-6E8A-4147-A177-3AD203B41FA5}">
-                      <a16:colId xmlns:a16="http://schemas.microsoft.com/office/drawing/2014/main" val="20001"/>
-                    </a:ext>
-                  </a:extLst>
-                </a:gridCol>
-                <a:gridCol w="1252312">
-                  <a:extLst>
-                    <a:ext uri="{9D8B030D-6E8A-4147-A177-3AD203B41FA5}">
-                      <a16:colId xmlns:a16="http://schemas.microsoft.com/office/drawing/2014/main" val="20002"/>
-                    </a:ext>
-                  </a:extLst>
-                </a:gridCol>
-                <a:gridCol w="1252312">
-                  <a:extLst>
-                    <a:ext uri="{9D8B030D-6E8A-4147-A177-3AD203B41FA5}">
-                      <a16:colId xmlns:a16="http://schemas.microsoft.com/office/drawing/2014/main" val="1190055206"/>
-                    </a:ext>
-                  </a:extLst>
-                </a:gridCol>
-                <a:gridCol w="1252312">
-                  <a:extLst>
-                    <a:ext uri="{9D8B030D-6E8A-4147-A177-3AD203B41FA5}">
-                      <a16:colId xmlns:a16="http://schemas.microsoft.com/office/drawing/2014/main" val="1809116071"/>
-                    </a:ext>
-                  </a:extLst>
-                </a:gridCol>
-              </a:tblGrid>
-              <a:tr h="586120">
-                <a:tc>
-                  <a:txBody>
-                    <a:bodyPr/>
-                    <a:lstStyle/>
-                    <a:p>
-                      <a:r>
-                        <a:rPr lang="en-US" dirty="0"/>
-                        <a:t>Model</a:t>
-                      </a:r>
-                    </a:p>
-                  </a:txBody>
-                  <a:tcPr anchor="ctr"/>
-                </a:tc>
-                <a:tc>
-                  <a:txBody>
-                    <a:bodyPr/>
-                    <a:lstStyle/>
-                    <a:p>
-                      <a:pPr algn="ctr"/>
-                      <a:r>
-                        <a:rPr lang="en-US" dirty="0"/>
-                        <a:t>Rouge 1</a:t>
-                      </a:r>
-                    </a:p>
-                  </a:txBody>
-                  <a:tcPr anchor="ctr"/>
-                </a:tc>
-                <a:tc>
-                  <a:txBody>
-                    <a:bodyPr/>
-                    <a:lstStyle/>
-                    <a:p>
-                      <a:pPr algn="ctr"/>
-                      <a:r>
-                        <a:rPr lang="en-US" dirty="0"/>
-                        <a:t>Rouge 2</a:t>
-                      </a:r>
-                    </a:p>
-                  </a:txBody>
-                  <a:tcPr anchor="ctr"/>
-                </a:tc>
-                <a:tc>
-                  <a:txBody>
-                    <a:bodyPr/>
-                    <a:lstStyle/>
-                    <a:p>
-                      <a:pPr algn="ctr"/>
-                      <a:r>
-                        <a:rPr lang="en-US" dirty="0"/>
-                        <a:t>Rouge L</a:t>
-                      </a:r>
-                    </a:p>
-                  </a:txBody>
-                  <a:tcPr anchor="ctr"/>
-                </a:tc>
-                <a:tc>
-                  <a:txBody>
-                    <a:bodyPr/>
-                    <a:lstStyle/>
-                    <a:p>
-                      <a:pPr algn="ctr"/>
-                      <a:r>
-                        <a:rPr lang="en-US" dirty="0"/>
-                        <a:t>Rouge </a:t>
-                      </a:r>
-                      <a:r>
-                        <a:rPr lang="en-US" dirty="0" err="1"/>
-                        <a:t>Lsum</a:t>
-                      </a:r>
-                      <a:endParaRPr lang="en-US" dirty="0"/>
-                    </a:p>
-                  </a:txBody>
-                  <a:tcPr anchor="ctr"/>
-                </a:tc>
-                <a:extLst>
-                  <a:ext uri="{0D108BD9-81ED-4DB2-BD59-A6C34878D82A}">
-                    <a16:rowId xmlns:a16="http://schemas.microsoft.com/office/drawing/2014/main" val="10000"/>
-                  </a:ext>
-                </a:extLst>
-              </a:tr>
-              <a:tr h="586120">
-                <a:tc>
-                  <a:txBody>
-                    <a:bodyPr/>
-                    <a:lstStyle/>
-                    <a:p>
-                      <a:r>
-                        <a:rPr lang="en-US" dirty="0"/>
-                        <a:t>BART </a:t>
-                      </a:r>
-                      <a:r>
-                        <a:rPr lang="en-US" dirty="0" err="1"/>
-                        <a:t>Pubmed</a:t>
-                      </a:r>
-                      <a:endParaRPr lang="en-US" dirty="0"/>
-                    </a:p>
-                  </a:txBody>
-                  <a:tcPr anchor="ctr">
-                    <a:solidFill>
-                      <a:schemeClr val="accent3">
-                        <a:lumMod val="75000"/>
-                      </a:schemeClr>
-                    </a:solidFill>
-                  </a:tcPr>
-                </a:tc>
-                <a:tc>
-                  <a:txBody>
-                    <a:bodyPr/>
-                    <a:lstStyle/>
-                    <a:p>
-                      <a:pPr algn="ctr"/>
-                      <a:r>
-                        <a:rPr lang="en-US" dirty="0"/>
-                        <a:t>37.1</a:t>
-                      </a:r>
-                    </a:p>
-                  </a:txBody>
-                  <a:tcPr anchor="ctr">
-                    <a:solidFill>
-                      <a:schemeClr val="accent3">
-                        <a:lumMod val="75000"/>
-                      </a:schemeClr>
-                    </a:solidFill>
-                  </a:tcPr>
-                </a:tc>
-                <a:tc>
-                  <a:txBody>
-                    <a:bodyPr/>
-                    <a:lstStyle/>
-                    <a:p>
-                      <a:pPr algn="ctr"/>
-                      <a:r>
-                        <a:rPr lang="en-US" dirty="0"/>
-                        <a:t>14.6</a:t>
-                      </a:r>
-                    </a:p>
-                  </a:txBody>
-                  <a:tcPr anchor="ctr">
-                    <a:solidFill>
-                      <a:schemeClr val="accent3">
-                        <a:lumMod val="75000"/>
-                      </a:schemeClr>
-                    </a:solidFill>
-                  </a:tcPr>
-                </a:tc>
-                <a:tc>
-                  <a:txBody>
-                    <a:bodyPr/>
-                    <a:lstStyle/>
-                    <a:p>
-                      <a:pPr algn="ctr"/>
-                      <a:r>
-                        <a:rPr lang="en-US" dirty="0"/>
-                        <a:t>22.8</a:t>
-                      </a:r>
-                    </a:p>
-                  </a:txBody>
-                  <a:tcPr anchor="ctr">
-                    <a:solidFill>
-                      <a:schemeClr val="accent3">
-                        <a:lumMod val="75000"/>
-                      </a:schemeClr>
-                    </a:solidFill>
-                  </a:tcPr>
-                </a:tc>
-                <a:tc>
-                  <a:txBody>
-                    <a:bodyPr/>
-                    <a:lstStyle/>
-                    <a:p>
-                      <a:pPr algn="ctr"/>
-                      <a:r>
-                        <a:rPr lang="en-US" dirty="0"/>
-                        <a:t>25.2</a:t>
-                      </a:r>
-                    </a:p>
-                  </a:txBody>
-                  <a:tcPr anchor="ctr">
-                    <a:solidFill>
-                      <a:schemeClr val="accent3">
-                        <a:lumMod val="75000"/>
-                      </a:schemeClr>
-                    </a:solidFill>
-                  </a:tcPr>
-                </a:tc>
-                <a:extLst>
-                  <a:ext uri="{0D108BD9-81ED-4DB2-BD59-A6C34878D82A}">
-                    <a16:rowId xmlns:a16="http://schemas.microsoft.com/office/drawing/2014/main" val="10003"/>
-                  </a:ext>
-                </a:extLst>
-              </a:tr>
-              <a:tr h="586120">
-                <a:tc>
-                  <a:txBody>
-                    <a:bodyPr/>
-                    <a:lstStyle/>
-                    <a:p>
-                      <a:r>
-                        <a:rPr lang="en-US" dirty="0"/>
-                        <a:t>Pegasus-X Base</a:t>
-                      </a:r>
-                    </a:p>
-                  </a:txBody>
-                  <a:tcPr anchor="ctr">
-                    <a:solidFill>
-                      <a:schemeClr val="accent2">
-                        <a:lumMod val="75000"/>
-                      </a:schemeClr>
-                    </a:solidFill>
-                  </a:tcPr>
-                </a:tc>
-                <a:tc>
-                  <a:txBody>
-                    <a:bodyPr/>
-                    <a:lstStyle/>
-                    <a:p>
-                      <a:pPr algn="ctr"/>
-                      <a:r>
-                        <a:rPr lang="en-US" dirty="0"/>
-                        <a:t>2.3</a:t>
-                      </a:r>
-                    </a:p>
-                  </a:txBody>
-                  <a:tcPr anchor="ctr">
-                    <a:solidFill>
-                      <a:schemeClr val="accent2">
-                        <a:lumMod val="75000"/>
-                      </a:schemeClr>
-                    </a:solidFill>
-                  </a:tcPr>
-                </a:tc>
-                <a:tc>
-                  <a:txBody>
-                    <a:bodyPr/>
-                    <a:lstStyle/>
-                    <a:p>
-                      <a:pPr algn="ctr"/>
-                      <a:r>
-                        <a:rPr lang="en-US" dirty="0"/>
-                        <a:t>0.02</a:t>
-                      </a:r>
-                    </a:p>
-                  </a:txBody>
-                  <a:tcPr anchor="ctr">
-                    <a:solidFill>
-                      <a:schemeClr val="accent2">
-                        <a:lumMod val="75000"/>
-                      </a:schemeClr>
-                    </a:solidFill>
-                  </a:tcPr>
-                </a:tc>
-                <a:tc>
-                  <a:txBody>
-                    <a:bodyPr/>
-                    <a:lstStyle/>
-                    <a:p>
-                      <a:pPr algn="ctr"/>
-                      <a:r>
-                        <a:rPr lang="en-US" dirty="0"/>
-                        <a:t>2.1</a:t>
-                      </a:r>
-                    </a:p>
-                  </a:txBody>
-                  <a:tcPr anchor="ctr">
-                    <a:solidFill>
-                      <a:schemeClr val="accent2">
-                        <a:lumMod val="75000"/>
-                      </a:schemeClr>
-                    </a:solidFill>
-                  </a:tcPr>
-                </a:tc>
-                <a:tc>
-                  <a:txBody>
-                    <a:bodyPr/>
-                    <a:lstStyle/>
-                    <a:p>
-                      <a:pPr algn="ctr"/>
-                      <a:r>
-                        <a:rPr lang="en-US" dirty="0"/>
-                        <a:t>2.1</a:t>
-                      </a:r>
-                    </a:p>
-                  </a:txBody>
-                  <a:tcPr anchor="ctr">
-                    <a:solidFill>
-                      <a:schemeClr val="accent2">
-                        <a:lumMod val="75000"/>
-                      </a:schemeClr>
-                    </a:solidFill>
-                  </a:tcPr>
-                </a:tc>
-                <a:extLst>
-                  <a:ext uri="{0D108BD9-81ED-4DB2-BD59-A6C34878D82A}">
-                    <a16:rowId xmlns:a16="http://schemas.microsoft.com/office/drawing/2014/main" val="1564377738"/>
-                  </a:ext>
-                </a:extLst>
-              </a:tr>
-              <a:tr h="586120">
-                <a:tc>
-                  <a:txBody>
-                    <a:bodyPr/>
-                    <a:lstStyle/>
-                    <a:p>
-                      <a:r>
-                        <a:rPr lang="en-US" dirty="0"/>
-                        <a:t>Pegasus-X Large</a:t>
-                      </a:r>
-                    </a:p>
-                  </a:txBody>
-                  <a:tcPr anchor="ctr">
-                    <a:solidFill>
-                      <a:schemeClr val="accent2">
-                        <a:lumMod val="75000"/>
-                      </a:schemeClr>
-                    </a:solidFill>
-                  </a:tcPr>
-                </a:tc>
-                <a:tc>
-                  <a:txBody>
-                    <a:bodyPr/>
-                    <a:lstStyle/>
-                    <a:p>
-                      <a:pPr algn="ctr"/>
-                      <a:r>
-                        <a:rPr lang="en-US" dirty="0"/>
-                        <a:t>30.1</a:t>
-                      </a:r>
-                    </a:p>
-                  </a:txBody>
-                  <a:tcPr anchor="ctr">
-                    <a:solidFill>
-                      <a:schemeClr val="accent2">
-                        <a:lumMod val="75000"/>
-                      </a:schemeClr>
-                    </a:solidFill>
-                  </a:tcPr>
-                </a:tc>
-                <a:tc>
-                  <a:txBody>
-                    <a:bodyPr/>
-                    <a:lstStyle/>
-                    <a:p>
-                      <a:pPr algn="ctr"/>
-                      <a:r>
-                        <a:rPr lang="en-US" dirty="0"/>
-                        <a:t>8.6</a:t>
-                      </a:r>
-                    </a:p>
-                  </a:txBody>
-                  <a:tcPr anchor="ctr">
-                    <a:solidFill>
-                      <a:schemeClr val="accent2">
-                        <a:lumMod val="75000"/>
-                      </a:schemeClr>
-                    </a:solidFill>
-                  </a:tcPr>
-                </a:tc>
-                <a:tc>
-                  <a:txBody>
-                    <a:bodyPr/>
-                    <a:lstStyle/>
-                    <a:p>
-                      <a:pPr algn="ctr"/>
-                      <a:r>
-                        <a:rPr lang="en-US" dirty="0"/>
-                        <a:t>16.3</a:t>
-                      </a:r>
-                    </a:p>
-                  </a:txBody>
-                  <a:tcPr anchor="ctr">
-                    <a:solidFill>
-                      <a:schemeClr val="accent2">
-                        <a:lumMod val="75000"/>
-                      </a:schemeClr>
-                    </a:solidFill>
-                  </a:tcPr>
-                </a:tc>
-                <a:tc>
-                  <a:txBody>
-                    <a:bodyPr/>
-                    <a:lstStyle/>
-                    <a:p>
-                      <a:pPr algn="ctr"/>
-                      <a:r>
-                        <a:rPr lang="en-US" dirty="0"/>
-                        <a:t>16.9</a:t>
-                      </a:r>
-                    </a:p>
-                  </a:txBody>
-                  <a:tcPr anchor="ctr">
-                    <a:solidFill>
-                      <a:schemeClr val="accent2">
-                        <a:lumMod val="75000"/>
-                      </a:schemeClr>
-                    </a:solidFill>
-                  </a:tcPr>
-                </a:tc>
-                <a:extLst>
-                  <a:ext uri="{0D108BD9-81ED-4DB2-BD59-A6C34878D82A}">
-                    <a16:rowId xmlns:a16="http://schemas.microsoft.com/office/drawing/2014/main" val="1879937733"/>
-                  </a:ext>
-                </a:extLst>
-              </a:tr>
-              <a:tr h="586120">
-                <a:tc>
-                  <a:txBody>
-                    <a:bodyPr/>
-                    <a:lstStyle/>
-                    <a:p>
-                      <a:r>
-                        <a:rPr lang="en-US" dirty="0"/>
-                        <a:t>Pegasus </a:t>
-                      </a:r>
-                      <a:r>
-                        <a:rPr lang="en-US" dirty="0" err="1"/>
-                        <a:t>Pubmed</a:t>
-                      </a:r>
-                      <a:endParaRPr lang="en-US" dirty="0"/>
-                    </a:p>
-                  </a:txBody>
-                  <a:tcPr anchor="ctr">
-                    <a:solidFill>
-                      <a:schemeClr val="accent2">
-                        <a:lumMod val="75000"/>
-                      </a:schemeClr>
-                    </a:solidFill>
-                  </a:tcPr>
-                </a:tc>
-                <a:tc>
-                  <a:txBody>
-                    <a:bodyPr/>
-                    <a:lstStyle/>
-                    <a:p>
-                      <a:pPr algn="ctr"/>
-                      <a:r>
-                        <a:rPr lang="en-US" dirty="0"/>
-                        <a:t>38.3</a:t>
-                      </a:r>
-                    </a:p>
-                  </a:txBody>
-                  <a:tcPr anchor="ctr">
-                    <a:solidFill>
-                      <a:schemeClr val="accent2">
-                        <a:lumMod val="75000"/>
-                      </a:schemeClr>
-                    </a:solidFill>
-                  </a:tcPr>
-                </a:tc>
-                <a:tc>
-                  <a:txBody>
-                    <a:bodyPr/>
-                    <a:lstStyle/>
-                    <a:p>
-                      <a:pPr algn="ctr"/>
-                      <a:r>
-                        <a:rPr lang="en-US" dirty="0"/>
-                        <a:t>15.2</a:t>
-                      </a:r>
-                    </a:p>
-                  </a:txBody>
-                  <a:tcPr anchor="ctr">
-                    <a:solidFill>
-                      <a:schemeClr val="accent2">
-                        <a:lumMod val="75000"/>
-                      </a:schemeClr>
-                    </a:solidFill>
-                  </a:tcPr>
-                </a:tc>
-                <a:tc>
-                  <a:txBody>
-                    <a:bodyPr/>
-                    <a:lstStyle/>
-                    <a:p>
-                      <a:pPr algn="ctr"/>
-                      <a:r>
-                        <a:rPr lang="en-US" dirty="0"/>
-                        <a:t>23.2</a:t>
-                      </a:r>
-                    </a:p>
-                  </a:txBody>
-                  <a:tcPr anchor="ctr">
-                    <a:solidFill>
-                      <a:schemeClr val="accent2">
-                        <a:lumMod val="75000"/>
-                      </a:schemeClr>
-                    </a:solidFill>
-                  </a:tcPr>
-                </a:tc>
-                <a:tc>
-                  <a:txBody>
-                    <a:bodyPr/>
-                    <a:lstStyle/>
-                    <a:p>
-                      <a:pPr algn="ctr"/>
-                      <a:r>
-                        <a:rPr lang="en-US" dirty="0"/>
-                        <a:t>23.7</a:t>
-                      </a:r>
-                    </a:p>
-                  </a:txBody>
-                  <a:tcPr anchor="ctr">
-                    <a:solidFill>
-                      <a:schemeClr val="accent2">
-                        <a:lumMod val="75000"/>
-                      </a:schemeClr>
-                    </a:solidFill>
-                  </a:tcPr>
-                </a:tc>
-                <a:extLst>
-                  <a:ext uri="{0D108BD9-81ED-4DB2-BD59-A6C34878D82A}">
-                    <a16:rowId xmlns:a16="http://schemas.microsoft.com/office/drawing/2014/main" val="860175760"/>
-                  </a:ext>
-                </a:extLst>
-              </a:tr>
-              <a:tr h="837315">
-                <a:tc>
-                  <a:txBody>
-                    <a:bodyPr/>
-                    <a:lstStyle/>
-                    <a:p>
-                      <a:r>
-                        <a:rPr lang="en-US" dirty="0"/>
-                        <a:t>Pegasus </a:t>
-                      </a:r>
-                      <a:r>
-                        <a:rPr lang="en-US" dirty="0" err="1"/>
-                        <a:t>Bigbird</a:t>
-                      </a:r>
-                      <a:r>
-                        <a:rPr lang="en-US" dirty="0"/>
-                        <a:t> </a:t>
-                      </a:r>
-                      <a:r>
-                        <a:rPr lang="en-US" dirty="0" err="1"/>
-                        <a:t>Pubmed</a:t>
-                      </a:r>
-                      <a:endParaRPr lang="en-US" dirty="0"/>
-                    </a:p>
-                  </a:txBody>
-                  <a:tcPr anchor="ctr">
-                    <a:solidFill>
-                      <a:schemeClr val="accent2">
-                        <a:lumMod val="75000"/>
-                      </a:schemeClr>
-                    </a:solidFill>
-                  </a:tcPr>
-                </a:tc>
-                <a:tc>
-                  <a:txBody>
-                    <a:bodyPr/>
-                    <a:lstStyle/>
-                    <a:p>
-                      <a:pPr algn="ctr"/>
-                      <a:r>
-                        <a:rPr lang="en-US" dirty="0"/>
-                        <a:t>38.8</a:t>
-                      </a:r>
-                    </a:p>
-                  </a:txBody>
-                  <a:tcPr anchor="ctr">
-                    <a:solidFill>
-                      <a:schemeClr val="accent2">
-                        <a:lumMod val="75000"/>
-                      </a:schemeClr>
-                    </a:solidFill>
-                  </a:tcPr>
-                </a:tc>
-                <a:tc>
-                  <a:txBody>
-                    <a:bodyPr/>
-                    <a:lstStyle/>
-                    <a:p>
-                      <a:pPr algn="ctr"/>
-                      <a:r>
-                        <a:rPr lang="en-US" dirty="0"/>
-                        <a:t>15.4</a:t>
-                      </a:r>
-                    </a:p>
-                  </a:txBody>
-                  <a:tcPr anchor="ctr">
-                    <a:solidFill>
-                      <a:schemeClr val="accent2">
-                        <a:lumMod val="75000"/>
-                      </a:schemeClr>
-                    </a:solidFill>
-                  </a:tcPr>
-                </a:tc>
-                <a:tc>
-                  <a:txBody>
-                    <a:bodyPr/>
-                    <a:lstStyle/>
-                    <a:p>
-                      <a:pPr algn="ctr"/>
-                      <a:r>
-                        <a:rPr lang="en-US" dirty="0"/>
-                        <a:t>23.2</a:t>
-                      </a:r>
-                    </a:p>
-                  </a:txBody>
-                  <a:tcPr anchor="ctr">
-                    <a:solidFill>
-                      <a:schemeClr val="accent2">
-                        <a:lumMod val="75000"/>
-                      </a:schemeClr>
-                    </a:solidFill>
-                  </a:tcPr>
-                </a:tc>
-                <a:tc>
-                  <a:txBody>
-                    <a:bodyPr/>
-                    <a:lstStyle/>
-                    <a:p>
-                      <a:pPr algn="ctr"/>
-                      <a:r>
-                        <a:rPr lang="en-US" dirty="0"/>
-                        <a:t>23.7</a:t>
-                      </a:r>
-                    </a:p>
-                  </a:txBody>
-                  <a:tcPr anchor="ctr">
-                    <a:solidFill>
-                      <a:schemeClr val="accent2">
-                        <a:lumMod val="75000"/>
-                      </a:schemeClr>
-                    </a:solidFill>
-                  </a:tcPr>
-                </a:tc>
-                <a:extLst>
-                  <a:ext uri="{0D108BD9-81ED-4DB2-BD59-A6C34878D82A}">
-                    <a16:rowId xmlns:a16="http://schemas.microsoft.com/office/drawing/2014/main" val="4077446876"/>
-                  </a:ext>
-                </a:extLst>
-              </a:tr>
-            </a:tbl>
-          </a:graphicData>
-        </a:graphic>
-      </p:graphicFrame>
+        </p:nvSpPr>
+        <p:spPr/>
+        <p:txBody>
+          <a:bodyPr/>
+          <a:lstStyle/>
+          <a:p>
+            <a:r>
+              <a:rPr lang="en-IN" dirty="0"/>
+              <a:t>We pass predicted summary and reference summary (abstract text of article) of 100 records to find the performance metric ROUGE </a:t>
+            </a:r>
+          </a:p>
+          <a:p>
+            <a:pPr marL="0" indent="0">
+              <a:buNone/>
+            </a:pPr>
+            <a:r>
+              <a:rPr lang="en-IN" dirty="0"/>
+              <a:t>ROUGE - </a:t>
+            </a:r>
+            <a:r>
+              <a:rPr lang="en-US" dirty="0"/>
+              <a:t>Recall-Oriented Understudy for </a:t>
+            </a:r>
+            <a:r>
+              <a:rPr lang="en-US" dirty="0" err="1"/>
+              <a:t>Gisting</a:t>
+            </a:r>
+            <a:r>
+              <a:rPr lang="en-US" dirty="0"/>
+              <a:t> Evaluation</a:t>
+            </a:r>
+          </a:p>
+          <a:p>
+            <a:pPr lvl="1"/>
+            <a:r>
+              <a:rPr lang="en-US" dirty="0"/>
+              <a:t>ROUGE 1 – unigram (1 gram) based scoring</a:t>
+            </a:r>
+          </a:p>
+          <a:p>
+            <a:pPr lvl="1"/>
+            <a:r>
+              <a:rPr lang="en-US" dirty="0"/>
+              <a:t>ROUGE 2 - bigram (2 gram) based scoring</a:t>
+            </a:r>
+          </a:p>
+          <a:p>
+            <a:pPr lvl="1"/>
+            <a:r>
+              <a:rPr lang="en-US" dirty="0"/>
+              <a:t>ROUGE L – Longest common subsequence based scoring (average of individual 	               sentences)</a:t>
+            </a:r>
+          </a:p>
+          <a:p>
+            <a:pPr lvl="1"/>
+            <a:r>
+              <a:rPr lang="en-US" dirty="0"/>
+              <a:t>ROUGE </a:t>
+            </a:r>
+            <a:r>
+              <a:rPr lang="en-US" dirty="0" err="1"/>
+              <a:t>Lsum</a:t>
+            </a:r>
+            <a:r>
+              <a:rPr lang="en-US" dirty="0"/>
+              <a:t> - Longest common subsequence based scoring over whole summary</a:t>
+            </a:r>
+          </a:p>
+          <a:p>
+            <a:pPr lvl="1"/>
+            <a:endParaRPr lang="en-US" dirty="0"/>
+          </a:p>
+          <a:p>
+            <a:pPr lvl="1"/>
+            <a:endParaRPr lang="en-IN" dirty="0"/>
+          </a:p>
+        </p:txBody>
+      </p:sp>
     </p:spTree>
     <p:extLst>
       <p:ext uri="{BB962C8B-B14F-4D97-AF65-F5344CB8AC3E}">
-        <p14:creationId xmlns:p14="http://schemas.microsoft.com/office/powerpoint/2010/main" val="4206988261"/>
+        <p14:creationId xmlns:p14="http://schemas.microsoft.com/office/powerpoint/2010/main" val="1438598152"/>
       </p:ext>
     </p:extLst>
   </p:cSld>

--- a/Summarizing Pubmed Articles.pptx
+++ b/Summarizing Pubmed Articles.pptx
@@ -10781,7 +10781,7 @@
           <a:p>
             <a:r>
               <a:rPr lang="en-IN" dirty="0"/>
-              <a:t>In terms of the runtime, all the models made use of 1 x RTX5000 GPU</a:t>
+              <a:t>In terms of the processing, all the models made use of 1 x RTX5000 GPU</a:t>
             </a:r>
           </a:p>
           <a:p>

--- a/Summarizing Pubmed Articles.pptx
+++ b/Summarizing Pubmed Articles.pptx
@@ -5,10 +5,10 @@
     <p:sldMasterId id="2147483648" r:id="rId1"/>
   </p:sldMasterIdLst>
   <p:notesMasterIdLst>
-    <p:notesMasterId r:id="rId20"/>
+    <p:notesMasterId r:id="rId22"/>
   </p:notesMasterIdLst>
   <p:handoutMasterIdLst>
-    <p:handoutMasterId r:id="rId21"/>
+    <p:handoutMasterId r:id="rId23"/>
   </p:handoutMasterIdLst>
   <p:sldIdLst>
     <p:sldId id="265" r:id="rId2"/>
@@ -24,16 +24,18 @@
     <p:sldId id="327" r:id="rId12"/>
     <p:sldId id="324" r:id="rId13"/>
     <p:sldId id="328" r:id="rId14"/>
-    <p:sldId id="311" r:id="rId15"/>
-    <p:sldId id="330" r:id="rId16"/>
-    <p:sldId id="331" r:id="rId17"/>
-    <p:sldId id="325" r:id="rId18"/>
-    <p:sldId id="332" r:id="rId19"/>
+    <p:sldId id="335" r:id="rId15"/>
+    <p:sldId id="311" r:id="rId16"/>
+    <p:sldId id="330" r:id="rId17"/>
+    <p:sldId id="331" r:id="rId18"/>
+    <p:sldId id="325" r:id="rId19"/>
+    <p:sldId id="334" r:id="rId20"/>
+    <p:sldId id="332" r:id="rId21"/>
   </p:sldIdLst>
   <p:sldSz cx="12188825" cy="6858000"/>
   <p:notesSz cx="6858000" cy="9144000"/>
   <p:custDataLst>
-    <p:tags r:id="rId22"/>
+    <p:tags r:id="rId24"/>
   </p:custDataLst>
   <p:defaultTextStyle>
     <a:defPPr>
@@ -3073,7 +3075,7 @@
           <a:p>
             <a:fld id="{59088EAF-6ECA-4616-85EF-35AA19C641F3}" type="datetimeFigureOut">
               <a:rPr lang="en-US"/>
-              <a:t>3/6/2024</a:t>
+              <a:t>3/8/2024</a:t>
             </a:fld>
             <a:endParaRPr/>
           </a:p>
@@ -3238,7 +3240,7 @@
           <a:p>
             <a:fld id="{3ABD2D7A-D230-4F91-BD59-0A39C2703BA8}" type="datetimeFigureOut">
               <a:rPr lang="en-US"/>
-              <a:t>3/6/2024</a:t>
+              <a:t>3/8/2024</a:t>
             </a:fld>
             <a:endParaRPr/>
           </a:p>
@@ -3847,7 +3849,7 @@
           <a:p>
             <a:fld id="{03F41C87-7AD9-4845-A077-840E4A0F3F06}" type="datetimeFigureOut">
               <a:rPr lang="en-US"/>
-              <a:t>3/6/2024</a:t>
+              <a:t>3/8/2024</a:t>
             </a:fld>
             <a:endParaRPr/>
           </a:p>
@@ -4039,7 +4041,7 @@
           <a:p>
             <a:fld id="{03F41C87-7AD9-4845-A077-840E4A0F3F06}" type="datetimeFigureOut">
               <a:rPr lang="en-US"/>
-              <a:t>3/6/2024</a:t>
+              <a:t>3/8/2024</a:t>
             </a:fld>
             <a:endParaRPr/>
           </a:p>
@@ -4228,7 +4230,7 @@
           <a:p>
             <a:fld id="{03F41C87-7AD9-4845-A077-840E4A0F3F06}" type="datetimeFigureOut">
               <a:rPr lang="en-US"/>
-              <a:t>3/6/2024</a:t>
+              <a:t>3/8/2024</a:t>
             </a:fld>
             <a:endParaRPr/>
           </a:p>
@@ -4508,7 +4510,7 @@
           <a:p>
             <a:fld id="{03F41C87-7AD9-4845-A077-840E4A0F3F06}" type="datetimeFigureOut">
               <a:rPr lang="en-US"/>
-              <a:t>3/6/2024</a:t>
+              <a:t>3/8/2024</a:t>
             </a:fld>
             <a:endParaRPr/>
           </a:p>
@@ -4812,7 +4814,7 @@
           <a:p>
             <a:fld id="{03F41C87-7AD9-4845-A077-840E4A0F3F06}" type="datetimeFigureOut">
               <a:rPr lang="en-US"/>
-              <a:t>3/6/2024</a:t>
+              <a:t>3/8/2024</a:t>
             </a:fld>
             <a:endParaRPr/>
           </a:p>
@@ -5268,7 +5270,7 @@
           <a:p>
             <a:fld id="{03F41C87-7AD9-4845-A077-840E4A0F3F06}" type="datetimeFigureOut">
               <a:rPr lang="en-US"/>
-              <a:t>3/6/2024</a:t>
+              <a:t>3/8/2024</a:t>
             </a:fld>
             <a:endParaRPr/>
           </a:p>
@@ -5398,7 +5400,7 @@
           <a:p>
             <a:fld id="{03F41C87-7AD9-4845-A077-840E4A0F3F06}" type="datetimeFigureOut">
               <a:rPr lang="en-US"/>
-              <a:t>3/6/2024</a:t>
+              <a:t>3/8/2024</a:t>
             </a:fld>
             <a:endParaRPr/>
           </a:p>
@@ -5513,7 +5515,7 @@
           <a:p>
             <a:fld id="{03F41C87-7AD9-4845-A077-840E4A0F3F06}" type="datetimeFigureOut">
               <a:rPr lang="en-US"/>
-              <a:t>3/6/2024</a:t>
+              <a:t>3/8/2024</a:t>
             </a:fld>
             <a:endParaRPr/>
           </a:p>
@@ -5835,7 +5837,7 @@
           <a:p>
             <a:fld id="{03F41C87-7AD9-4845-A077-840E4A0F3F06}" type="datetimeFigureOut">
               <a:rPr lang="en-US"/>
-              <a:t>3/6/2024</a:t>
+              <a:t>3/8/2024</a:t>
             </a:fld>
             <a:endParaRPr/>
           </a:p>
@@ -6147,7 +6149,7 @@
             <a:fld id="{03F41C87-7AD9-4845-A077-840E4A0F3F06}" type="datetimeFigureOut">
               <a:rPr lang="en-US"/>
               <a:pPr/>
-              <a:t>3/6/2024</a:t>
+              <a:t>3/8/2024</a:t>
             </a:fld>
             <a:endParaRPr/>
           </a:p>
@@ -6401,7 +6403,7 @@
             <a:fld id="{03F41C87-7AD9-4845-A077-840E4A0F3F06}" type="datetimeFigureOut">
               <a:rPr lang="en-US" smtClean="0"/>
               <a:pPr/>
-              <a:t>3/6/2024</a:t>
+              <a:t>3/8/2024</a:t>
             </a:fld>
             <a:endParaRPr lang="en-US"/>
           </a:p>
@@ -10510,6 +10512,127 @@
       </p:grpSpPr>
       <p:sp>
         <p:nvSpPr>
+          <p:cNvPr id="2" name="Title 1">
+            <a:extLst>
+              <a:ext uri="{FF2B5EF4-FFF2-40B4-BE49-F238E27FC236}">
+                <a16:creationId xmlns:a16="http://schemas.microsoft.com/office/drawing/2014/main" id="{041B2346-0910-AAB8-AB3E-1F6BB734B72B}"/>
+              </a:ext>
+            </a:extLst>
+          </p:cNvPr>
+          <p:cNvSpPr>
+            <a:spLocks noGrp="1"/>
+          </p:cNvSpPr>
+          <p:nvPr>
+            <p:ph type="title"/>
+          </p:nvPr>
+        </p:nvSpPr>
+        <p:spPr/>
+        <p:txBody>
+          <a:bodyPr/>
+          <a:lstStyle/>
+          <a:p>
+            <a:r>
+              <a:rPr lang="en-IN" dirty="0"/>
+              <a:t>How to Improve Semantic Chunking</a:t>
+            </a:r>
+          </a:p>
+        </p:txBody>
+      </p:sp>
+      <p:sp>
+        <p:nvSpPr>
+          <p:cNvPr id="3" name="Content Placeholder 2">
+            <a:extLst>
+              <a:ext uri="{FF2B5EF4-FFF2-40B4-BE49-F238E27FC236}">
+                <a16:creationId xmlns:a16="http://schemas.microsoft.com/office/drawing/2014/main" id="{9EB3EAB9-7451-4011-F212-AAFE8F4ABBAE}"/>
+              </a:ext>
+            </a:extLst>
+          </p:cNvPr>
+          <p:cNvSpPr>
+            <a:spLocks noGrp="1"/>
+          </p:cNvSpPr>
+          <p:nvPr>
+            <p:ph idx="1"/>
+          </p:nvPr>
+        </p:nvSpPr>
+        <p:spPr/>
+        <p:txBody>
+          <a:bodyPr/>
+          <a:lstStyle/>
+          <a:p>
+            <a:r>
+              <a:rPr lang="en-IN" dirty="0"/>
+              <a:t>Still experimental. Perform hyperparameter tuning to better understand the performance</a:t>
+            </a:r>
+          </a:p>
+          <a:p>
+            <a:r>
+              <a:rPr lang="en-IN" dirty="0"/>
+              <a:t>Customize the semantic chunking algorithm for every LLM</a:t>
+            </a:r>
+          </a:p>
+          <a:p>
+            <a:r>
+              <a:rPr lang="en-IN" dirty="0"/>
+              <a:t>Try other open source pretrained </a:t>
+            </a:r>
+            <a:r>
+              <a:rPr lang="en-IN" dirty="0" err="1"/>
+              <a:t>pubmed</a:t>
+            </a:r>
+            <a:r>
+              <a:rPr lang="en-IN" dirty="0"/>
+              <a:t> sentence embedding models for sentences</a:t>
+            </a:r>
+          </a:p>
+          <a:p>
+            <a:endParaRPr lang="en-IN" dirty="0"/>
+          </a:p>
+        </p:txBody>
+      </p:sp>
+    </p:spTree>
+    <p:extLst>
+      <p:ext uri="{BB962C8B-B14F-4D97-AF65-F5344CB8AC3E}">
+        <p14:creationId xmlns:p14="http://schemas.microsoft.com/office/powerpoint/2010/main" val="3588019199"/>
+      </p:ext>
+    </p:extLst>
+  </p:cSld>
+  <p:clrMapOvr>
+    <a:masterClrMapping/>
+  </p:clrMapOvr>
+  <mc:AlternateContent xmlns:mc="http://schemas.openxmlformats.org/markup-compatibility/2006" xmlns:p14="http://schemas.microsoft.com/office/powerpoint/2010/main">
+    <mc:Choice Requires="p14">
+      <p:transition spd="med" p14:dur="700">
+        <p:fade/>
+      </p:transition>
+    </mc:Choice>
+    <mc:Fallback xmlns="">
+      <p:transition spd="med">
+        <p:fade/>
+      </p:transition>
+    </mc:Fallback>
+  </mc:AlternateContent>
+</p:sld>
+</file>
+
+<file path=ppt/slides/slide15.xml><?xml version="1.0" encoding="utf-8"?>
+<p:sld xmlns:a="http://schemas.openxmlformats.org/drawingml/2006/main" xmlns:r="http://schemas.openxmlformats.org/officeDocument/2006/relationships" xmlns:p="http://schemas.openxmlformats.org/presentationml/2006/main">
+  <p:cSld>
+    <p:spTree>
+      <p:nvGrpSpPr>
+        <p:cNvPr id="1" name=""/>
+        <p:cNvGrpSpPr/>
+        <p:nvPr/>
+      </p:nvGrpSpPr>
+      <p:grpSpPr>
+        <a:xfrm>
+          <a:off x="0" y="0"/>
+          <a:ext cx="0" cy="0"/>
+          <a:chOff x="0" y="0"/>
+          <a:chExt cx="0" cy="0"/>
+        </a:xfrm>
+      </p:grpSpPr>
+      <p:sp>
+        <p:nvSpPr>
           <p:cNvPr id="13" name="Title 12"/>
           <p:cNvSpPr>
             <a:spLocks noGrp="1"/>
@@ -10580,7 +10703,7 @@
 </p:sld>
 </file>
 
-<file path=ppt/slides/slide15.xml><?xml version="1.0" encoding="utf-8"?>
+<file path=ppt/slides/slide16.xml><?xml version="1.0" encoding="utf-8"?>
 <p:sld xmlns:a="http://schemas.openxmlformats.org/drawingml/2006/main" xmlns:r="http://schemas.openxmlformats.org/officeDocument/2006/relationships" xmlns:p="http://schemas.openxmlformats.org/presentationml/2006/main">
   <p:cSld>
     <p:spTree>
@@ -10727,7 +10850,7 @@
 </p:sld>
 </file>
 
-<file path=ppt/slides/slide16.xml><?xml version="1.0" encoding="utf-8"?>
+<file path=ppt/slides/slide17.xml><?xml version="1.0" encoding="utf-8"?>
 <p:sld xmlns:a="http://schemas.openxmlformats.org/drawingml/2006/main" xmlns:r="http://schemas.openxmlformats.org/officeDocument/2006/relationships" xmlns:p="http://schemas.openxmlformats.org/presentationml/2006/main">
   <p:cSld>
     <p:spTree>
@@ -10817,7 +10940,7 @@
 </p:sld>
 </file>
 
-<file path=ppt/slides/slide17.xml><?xml version="1.0" encoding="utf-8"?>
+<file path=ppt/slides/slide18.xml><?xml version="1.0" encoding="utf-8"?>
 <p:sld xmlns:a="http://schemas.openxmlformats.org/drawingml/2006/main" xmlns:r="http://schemas.openxmlformats.org/officeDocument/2006/relationships" xmlns:p="http://schemas.openxmlformats.org/presentationml/2006/main">
   <p:cSld>
     <p:spTree>
@@ -11319,7 +11442,7 @@
 </p:sld>
 </file>
 
-<file path=ppt/slides/slide18.xml><?xml version="1.0" encoding="utf-8"?>
+<file path=ppt/slides/slide19.xml><?xml version="1.0" encoding="utf-8"?>
 <p:sld xmlns:a="http://schemas.openxmlformats.org/drawingml/2006/main" xmlns:r="http://schemas.openxmlformats.org/officeDocument/2006/relationships" xmlns:p="http://schemas.openxmlformats.org/presentationml/2006/main">
   <p:cSld>
     <p:spTree>
@@ -11341,7 +11464,7 @@
           <p:cNvPr id="2" name="Title 1">
             <a:extLst>
               <a:ext uri="{FF2B5EF4-FFF2-40B4-BE49-F238E27FC236}">
-                <a16:creationId xmlns:a16="http://schemas.microsoft.com/office/drawing/2014/main" id="{5CB3FD26-E7F3-D61B-3D83-669391B296F9}"/>
+                <a16:creationId xmlns:a16="http://schemas.microsoft.com/office/drawing/2014/main" id="{3418417D-DE27-A3F5-DC57-19FCD046AC84}"/>
               </a:ext>
             </a:extLst>
           </p:cNvPr>
@@ -11359,7 +11482,7 @@
           <a:p>
             <a:r>
               <a:rPr lang="en-IN" dirty="0"/>
-              <a:t>Future Work</a:t>
+              <a:t>Finetuning Base Models</a:t>
             </a:r>
           </a:p>
         </p:txBody>
@@ -11369,7 +11492,7 @@
           <p:cNvPr id="3" name="Content Placeholder 2">
             <a:extLst>
               <a:ext uri="{FF2B5EF4-FFF2-40B4-BE49-F238E27FC236}">
-                <a16:creationId xmlns:a16="http://schemas.microsoft.com/office/drawing/2014/main" id="{512E0078-286A-A50E-FD92-3BEB42272182}"/>
+                <a16:creationId xmlns:a16="http://schemas.microsoft.com/office/drawing/2014/main" id="{7711F28E-2383-5352-7915-4E9641A62C35}"/>
               </a:ext>
             </a:extLst>
           </p:cNvPr>
@@ -11387,55 +11510,408 @@
           <a:p>
             <a:r>
               <a:rPr lang="en-IN" dirty="0"/>
-              <a:t>Explore new methods and models to summarize long text documents</a:t>
-            </a:r>
-          </a:p>
-          <a:p>
+              <a:t>The base models for t5, </a:t>
+            </a:r>
+            <a:r>
+              <a:rPr lang="en-IN" dirty="0" err="1"/>
+              <a:t>bart</a:t>
+            </a:r>
             <a:r>
               <a:rPr lang="en-IN" dirty="0"/>
-              <a:t>Finetune the semantic chunking process by adjusting variables and experimenting on smaller dataset</a:t>
+              <a:t> were finetuned on 1125 records</a:t>
             </a:r>
           </a:p>
           <a:p>
             <a:r>
               <a:rPr lang="en-IN" dirty="0"/>
-              <a:t>Try other popular models such as </a:t>
-            </a:r>
-            <a:r>
-              <a:rPr lang="en-IN" dirty="0" err="1"/>
-              <a:t>Longformers</a:t>
-            </a:r>
+              <a:t>The data was split into training, testing and validation sets with proportion of 80%, 10% and 10% respectively</a:t>
+            </a:r>
+          </a:p>
+          <a:p>
             <a:r>
               <a:rPr lang="en-IN" dirty="0"/>
-              <a:t>, </a:t>
-            </a:r>
-            <a:r>
-              <a:rPr lang="en-IN" dirty="0" err="1"/>
-              <a:t>Xlnet</a:t>
-            </a:r>
+              <a:t>All the models were trained for 10 epochs</a:t>
+            </a:r>
+          </a:p>
+          <a:p>
             <a:r>
               <a:rPr lang="en-IN" dirty="0"/>
-              <a:t> and compare performances with SOTA figures</a:t>
-            </a:r>
-          </a:p>
-          <a:p>
-            <a:r>
-              <a:rPr lang="en-IN" dirty="0"/>
-              <a:t>Make use of higher computation power by including higher memory GPUs and disk space systems to finetune models</a:t>
-            </a:r>
-          </a:p>
-          <a:p>
-            <a:r>
-              <a:rPr lang="en-IN" dirty="0"/>
-              <a:t>Give out predictions on large dataset greater than 5000 articles and note the performance metrics to compare with the SOTA figures</a:t>
-            </a:r>
+              <a:t>Predictions for the normal chunking gave the following results</a:t>
+            </a:r>
+          </a:p>
+          <a:p>
+            <a:endParaRPr lang="en-IN" dirty="0"/>
           </a:p>
         </p:txBody>
       </p:sp>
+      <p:graphicFrame>
+        <p:nvGraphicFramePr>
+          <p:cNvPr id="4" name="Content Placeholder 8">
+            <a:extLst>
+              <a:ext uri="{FF2B5EF4-FFF2-40B4-BE49-F238E27FC236}">
+                <a16:creationId xmlns:a16="http://schemas.microsoft.com/office/drawing/2014/main" id="{FA2C983D-C325-CF07-6016-09DDED6AEC48}"/>
+              </a:ext>
+            </a:extLst>
+          </p:cNvPr>
+          <p:cNvGraphicFramePr>
+            <a:graphicFrameLocks/>
+          </p:cNvGraphicFramePr>
+          <p:nvPr>
+            <p:extLst>
+              <p:ext uri="{D42A27DB-BD31-4B8C-83A1-F6EECF244321}">
+                <p14:modId xmlns:p14="http://schemas.microsoft.com/office/powerpoint/2010/main" val="1939034887"/>
+              </p:ext>
+            </p:extLst>
+          </p:nvPr>
+        </p:nvGraphicFramePr>
+        <p:xfrm>
+          <a:off x="3214092" y="4725144"/>
+          <a:ext cx="5042617" cy="1645920"/>
+        </p:xfrm>
+        <a:graphic>
+          <a:graphicData uri="http://schemas.openxmlformats.org/drawingml/2006/table">
+            <a:tbl>
+              <a:tblPr firstRow="1" bandRow="1">
+                <a:tableStyleId>{073A0DAA-6AF3-43AB-8588-CEC1D06C72B9}</a:tableStyleId>
+              </a:tblPr>
+              <a:tblGrid>
+                <a:gridCol w="1008111">
+                  <a:extLst>
+                    <a:ext uri="{9D8B030D-6E8A-4147-A177-3AD203B41FA5}">
+                      <a16:colId xmlns:a16="http://schemas.microsoft.com/office/drawing/2014/main" val="20000"/>
+                    </a:ext>
+                  </a:extLst>
+                </a:gridCol>
+                <a:gridCol w="1008112">
+                  <a:extLst>
+                    <a:ext uri="{9D8B030D-6E8A-4147-A177-3AD203B41FA5}">
+                      <a16:colId xmlns:a16="http://schemas.microsoft.com/office/drawing/2014/main" val="20001"/>
+                    </a:ext>
+                  </a:extLst>
+                </a:gridCol>
+                <a:gridCol w="1008112">
+                  <a:extLst>
+                    <a:ext uri="{9D8B030D-6E8A-4147-A177-3AD203B41FA5}">
+                      <a16:colId xmlns:a16="http://schemas.microsoft.com/office/drawing/2014/main" val="20002"/>
+                    </a:ext>
+                  </a:extLst>
+                </a:gridCol>
+                <a:gridCol w="1080120">
+                  <a:extLst>
+                    <a:ext uri="{9D8B030D-6E8A-4147-A177-3AD203B41FA5}">
+                      <a16:colId xmlns:a16="http://schemas.microsoft.com/office/drawing/2014/main" val="1190055206"/>
+                    </a:ext>
+                  </a:extLst>
+                </a:gridCol>
+                <a:gridCol w="938162">
+                  <a:extLst>
+                    <a:ext uri="{9D8B030D-6E8A-4147-A177-3AD203B41FA5}">
+                      <a16:colId xmlns:a16="http://schemas.microsoft.com/office/drawing/2014/main" val="1809116071"/>
+                    </a:ext>
+                  </a:extLst>
+                </a:gridCol>
+              </a:tblGrid>
+              <a:tr h="549036">
+                <a:tc>
+                  <a:txBody>
+                    <a:bodyPr/>
+                    <a:lstStyle/>
+                    <a:p>
+                      <a:r>
+                        <a:rPr lang="en-US" dirty="0"/>
+                        <a:t>Model</a:t>
+                      </a:r>
+                    </a:p>
+                  </a:txBody>
+                  <a:tcPr anchor="ctr"/>
+                </a:tc>
+                <a:tc>
+                  <a:txBody>
+                    <a:bodyPr/>
+                    <a:lstStyle/>
+                    <a:p>
+                      <a:pPr algn="ctr"/>
+                      <a:r>
+                        <a:rPr lang="en-US" dirty="0"/>
+                        <a:t>Rouge 1</a:t>
+                      </a:r>
+                    </a:p>
+                  </a:txBody>
+                  <a:tcPr anchor="ctr"/>
+                </a:tc>
+                <a:tc>
+                  <a:txBody>
+                    <a:bodyPr/>
+                    <a:lstStyle/>
+                    <a:p>
+                      <a:pPr algn="ctr"/>
+                      <a:r>
+                        <a:rPr lang="en-US" dirty="0"/>
+                        <a:t>Rouge 2</a:t>
+                      </a:r>
+                    </a:p>
+                  </a:txBody>
+                  <a:tcPr anchor="ctr"/>
+                </a:tc>
+                <a:tc>
+                  <a:txBody>
+                    <a:bodyPr/>
+                    <a:lstStyle/>
+                    <a:p>
+                      <a:pPr algn="ctr"/>
+                      <a:r>
+                        <a:rPr lang="en-US" dirty="0"/>
+                        <a:t>Rouge L</a:t>
+                      </a:r>
+                    </a:p>
+                  </a:txBody>
+                  <a:tcPr anchor="ctr"/>
+                </a:tc>
+                <a:tc>
+                  <a:txBody>
+                    <a:bodyPr/>
+                    <a:lstStyle/>
+                    <a:p>
+                      <a:pPr algn="ctr"/>
+                      <a:r>
+                        <a:rPr lang="en-US" dirty="0"/>
+                        <a:t>Rouge </a:t>
+                      </a:r>
+                      <a:r>
+                        <a:rPr lang="en-US" dirty="0" err="1"/>
+                        <a:t>Lsum</a:t>
+                      </a:r>
+                      <a:endParaRPr lang="en-US" dirty="0"/>
+                    </a:p>
+                  </a:txBody>
+                  <a:tcPr anchor="ctr"/>
+                </a:tc>
+                <a:extLst>
+                  <a:ext uri="{0D108BD9-81ED-4DB2-BD59-A6C34878D82A}">
+                    <a16:rowId xmlns:a16="http://schemas.microsoft.com/office/drawing/2014/main" val="10000"/>
+                  </a:ext>
+                </a:extLst>
+              </a:tr>
+              <a:tr h="332952">
+                <a:tc>
+                  <a:txBody>
+                    <a:bodyPr/>
+                    <a:lstStyle/>
+                    <a:p>
+                      <a:r>
+                        <a:rPr lang="en-US" dirty="0"/>
+                        <a:t>T5 Base</a:t>
+                      </a:r>
+                    </a:p>
+                  </a:txBody>
+                  <a:tcPr anchor="ctr">
+                    <a:solidFill>
+                      <a:schemeClr val="accent5">
+                        <a:lumMod val="75000"/>
+                      </a:schemeClr>
+                    </a:solidFill>
+                  </a:tcPr>
+                </a:tc>
+                <a:tc>
+                  <a:txBody>
+                    <a:bodyPr/>
+                    <a:lstStyle/>
+                    <a:p>
+                      <a:pPr algn="ctr"/>
+                      <a:r>
+                        <a:rPr lang="en-US" dirty="0"/>
+                        <a:t>19.8</a:t>
+                      </a:r>
+                    </a:p>
+                  </a:txBody>
+                  <a:tcPr anchor="ctr">
+                    <a:solidFill>
+                      <a:schemeClr val="accent5">
+                        <a:lumMod val="75000"/>
+                      </a:schemeClr>
+                    </a:solidFill>
+                  </a:tcPr>
+                </a:tc>
+                <a:tc>
+                  <a:txBody>
+                    <a:bodyPr/>
+                    <a:lstStyle/>
+                    <a:p>
+                      <a:pPr algn="ctr"/>
+                      <a:r>
+                        <a:rPr lang="en-US" dirty="0"/>
+                        <a:t>7.1</a:t>
+                      </a:r>
+                    </a:p>
+                  </a:txBody>
+                  <a:tcPr anchor="ctr">
+                    <a:solidFill>
+                      <a:schemeClr val="accent5">
+                        <a:lumMod val="75000"/>
+                      </a:schemeClr>
+                    </a:solidFill>
+                  </a:tcPr>
+                </a:tc>
+                <a:tc>
+                  <a:txBody>
+                    <a:bodyPr/>
+                    <a:lstStyle/>
+                    <a:p>
+                      <a:pPr algn="ctr"/>
+                      <a:r>
+                        <a:rPr lang="en-US" dirty="0"/>
+                        <a:t>13.4</a:t>
+                      </a:r>
+                    </a:p>
+                  </a:txBody>
+                  <a:tcPr anchor="ctr">
+                    <a:solidFill>
+                      <a:schemeClr val="accent5">
+                        <a:lumMod val="75000"/>
+                      </a:schemeClr>
+                    </a:solidFill>
+                  </a:tcPr>
+                </a:tc>
+                <a:tc>
+                  <a:txBody>
+                    <a:bodyPr/>
+                    <a:lstStyle/>
+                    <a:p>
+                      <a:pPr algn="ctr"/>
+                      <a:r>
+                        <a:rPr lang="en-US" dirty="0"/>
+                        <a:t>14.2</a:t>
+                      </a:r>
+                    </a:p>
+                  </a:txBody>
+                  <a:tcPr anchor="ctr">
+                    <a:solidFill>
+                      <a:schemeClr val="accent5">
+                        <a:lumMod val="75000"/>
+                      </a:schemeClr>
+                    </a:solidFill>
+                  </a:tcPr>
+                </a:tc>
+                <a:extLst>
+                  <a:ext uri="{0D108BD9-81ED-4DB2-BD59-A6C34878D82A}">
+                    <a16:rowId xmlns:a16="http://schemas.microsoft.com/office/drawing/2014/main" val="1564377738"/>
+                  </a:ext>
+                </a:extLst>
+              </a:tr>
+              <a:tr h="549036">
+                <a:tc>
+                  <a:txBody>
+                    <a:bodyPr/>
+                    <a:lstStyle/>
+                    <a:p>
+                      <a:r>
+                        <a:rPr lang="en-US" dirty="0"/>
+                        <a:t>BART Base</a:t>
+                      </a:r>
+                    </a:p>
+                  </a:txBody>
+                  <a:tcPr anchor="ctr">
+                    <a:solidFill>
+                      <a:schemeClr val="accent3">
+                        <a:lumMod val="75000"/>
+                      </a:schemeClr>
+                    </a:solidFill>
+                  </a:tcPr>
+                </a:tc>
+                <a:tc>
+                  <a:txBody>
+                    <a:bodyPr/>
+                    <a:lstStyle/>
+                    <a:p>
+                      <a:pPr algn="ctr"/>
+                      <a:r>
+                        <a:rPr lang="en-US" dirty="0"/>
+                        <a:t>36.6</a:t>
+                      </a:r>
+                    </a:p>
+                  </a:txBody>
+                  <a:tcPr anchor="ctr">
+                    <a:solidFill>
+                      <a:schemeClr val="accent3">
+                        <a:lumMod val="75000"/>
+                      </a:schemeClr>
+                    </a:solidFill>
+                  </a:tcPr>
+                </a:tc>
+                <a:tc>
+                  <a:txBody>
+                    <a:bodyPr/>
+                    <a:lstStyle/>
+                    <a:p>
+                      <a:pPr algn="ctr"/>
+                      <a:r>
+                        <a:rPr lang="en-US" dirty="0"/>
+                        <a:t>12.9</a:t>
+                      </a:r>
+                    </a:p>
+                  </a:txBody>
+                  <a:tcPr anchor="ctr">
+                    <a:solidFill>
+                      <a:schemeClr val="accent3">
+                        <a:lumMod val="75000"/>
+                      </a:schemeClr>
+                    </a:solidFill>
+                  </a:tcPr>
+                </a:tc>
+                <a:tc>
+                  <a:txBody>
+                    <a:bodyPr/>
+                    <a:lstStyle/>
+                    <a:p>
+                      <a:pPr algn="ctr"/>
+                      <a:r>
+                        <a:rPr lang="en-US" dirty="0"/>
+                        <a:t>21.1</a:t>
+                      </a:r>
+                    </a:p>
+                  </a:txBody>
+                  <a:tcPr anchor="ctr">
+                    <a:solidFill>
+                      <a:schemeClr val="accent3">
+                        <a:lumMod val="75000"/>
+                      </a:schemeClr>
+                    </a:solidFill>
+                  </a:tcPr>
+                </a:tc>
+                <a:tc>
+                  <a:txBody>
+                    <a:bodyPr/>
+                    <a:lstStyle/>
+                    <a:p>
+                      <a:pPr algn="ctr"/>
+                      <a:r>
+                        <a:rPr lang="en-US" dirty="0"/>
+                        <a:t>21.6</a:t>
+                      </a:r>
+                    </a:p>
+                  </a:txBody>
+                  <a:tcPr anchor="ctr">
+                    <a:solidFill>
+                      <a:schemeClr val="accent3">
+                        <a:lumMod val="75000"/>
+                      </a:schemeClr>
+                    </a:solidFill>
+                  </a:tcPr>
+                </a:tc>
+                <a:extLst>
+                  <a:ext uri="{0D108BD9-81ED-4DB2-BD59-A6C34878D82A}">
+                    <a16:rowId xmlns:a16="http://schemas.microsoft.com/office/drawing/2014/main" val="1389289216"/>
+                  </a:ext>
+                </a:extLst>
+              </a:tr>
+            </a:tbl>
+          </a:graphicData>
+        </a:graphic>
+      </p:graphicFrame>
     </p:spTree>
     <p:extLst>
       <p:ext uri="{BB962C8B-B14F-4D97-AF65-F5344CB8AC3E}">
-        <p14:creationId xmlns:p14="http://schemas.microsoft.com/office/powerpoint/2010/main" val="2048130968"/>
+        <p14:creationId xmlns:p14="http://schemas.microsoft.com/office/powerpoint/2010/main" val="3314067147"/>
       </p:ext>
     </p:extLst>
   </p:cSld>
@@ -11583,6 +12059,144 @@
     <p:extLst>
       <p:ext uri="{BB962C8B-B14F-4D97-AF65-F5344CB8AC3E}">
         <p14:creationId xmlns:p14="http://schemas.microsoft.com/office/powerpoint/2010/main" val="2139132589"/>
+      </p:ext>
+    </p:extLst>
+  </p:cSld>
+  <p:clrMapOvr>
+    <a:masterClrMapping/>
+  </p:clrMapOvr>
+  <mc:AlternateContent xmlns:mc="http://schemas.openxmlformats.org/markup-compatibility/2006" xmlns:p14="http://schemas.microsoft.com/office/powerpoint/2010/main">
+    <mc:Choice Requires="p14">
+      <p:transition spd="med" p14:dur="700">
+        <p:fade/>
+      </p:transition>
+    </mc:Choice>
+    <mc:Fallback xmlns="">
+      <p:transition spd="med">
+        <p:fade/>
+      </p:transition>
+    </mc:Fallback>
+  </mc:AlternateContent>
+</p:sld>
+</file>
+
+<file path=ppt/slides/slide20.xml><?xml version="1.0" encoding="utf-8"?>
+<p:sld xmlns:a="http://schemas.openxmlformats.org/drawingml/2006/main" xmlns:r="http://schemas.openxmlformats.org/officeDocument/2006/relationships" xmlns:p="http://schemas.openxmlformats.org/presentationml/2006/main">
+  <p:cSld>
+    <p:spTree>
+      <p:nvGrpSpPr>
+        <p:cNvPr id="1" name=""/>
+        <p:cNvGrpSpPr/>
+        <p:nvPr/>
+      </p:nvGrpSpPr>
+      <p:grpSpPr>
+        <a:xfrm>
+          <a:off x="0" y="0"/>
+          <a:ext cx="0" cy="0"/>
+          <a:chOff x="0" y="0"/>
+          <a:chExt cx="0" cy="0"/>
+        </a:xfrm>
+      </p:grpSpPr>
+      <p:sp>
+        <p:nvSpPr>
+          <p:cNvPr id="2" name="Title 1">
+            <a:extLst>
+              <a:ext uri="{FF2B5EF4-FFF2-40B4-BE49-F238E27FC236}">
+                <a16:creationId xmlns:a16="http://schemas.microsoft.com/office/drawing/2014/main" id="{5CB3FD26-E7F3-D61B-3D83-669391B296F9}"/>
+              </a:ext>
+            </a:extLst>
+          </p:cNvPr>
+          <p:cNvSpPr>
+            <a:spLocks noGrp="1"/>
+          </p:cNvSpPr>
+          <p:nvPr>
+            <p:ph type="title"/>
+          </p:nvPr>
+        </p:nvSpPr>
+        <p:spPr/>
+        <p:txBody>
+          <a:bodyPr/>
+          <a:lstStyle/>
+          <a:p>
+            <a:r>
+              <a:rPr lang="en-IN" dirty="0"/>
+              <a:t>Future Work</a:t>
+            </a:r>
+          </a:p>
+        </p:txBody>
+      </p:sp>
+      <p:sp>
+        <p:nvSpPr>
+          <p:cNvPr id="3" name="Content Placeholder 2">
+            <a:extLst>
+              <a:ext uri="{FF2B5EF4-FFF2-40B4-BE49-F238E27FC236}">
+                <a16:creationId xmlns:a16="http://schemas.microsoft.com/office/drawing/2014/main" id="{512E0078-286A-A50E-FD92-3BEB42272182}"/>
+              </a:ext>
+            </a:extLst>
+          </p:cNvPr>
+          <p:cNvSpPr>
+            <a:spLocks noGrp="1"/>
+          </p:cNvSpPr>
+          <p:nvPr>
+            <p:ph idx="1"/>
+          </p:nvPr>
+        </p:nvSpPr>
+        <p:spPr/>
+        <p:txBody>
+          <a:bodyPr/>
+          <a:lstStyle/>
+          <a:p>
+            <a:r>
+              <a:rPr lang="en-IN" dirty="0"/>
+              <a:t>Explore new methods and models to summarize long text documents</a:t>
+            </a:r>
+          </a:p>
+          <a:p>
+            <a:r>
+              <a:rPr lang="en-IN" dirty="0"/>
+              <a:t>Finetune the semantic chunking process by adjusting variables and experimenting on smaller dataset</a:t>
+            </a:r>
+          </a:p>
+          <a:p>
+            <a:r>
+              <a:rPr lang="en-IN" dirty="0"/>
+              <a:t>Try other popular models such as </a:t>
+            </a:r>
+            <a:r>
+              <a:rPr lang="en-IN" dirty="0" err="1"/>
+              <a:t>Longformers</a:t>
+            </a:r>
+            <a:r>
+              <a:rPr lang="en-IN" dirty="0"/>
+              <a:t>, </a:t>
+            </a:r>
+            <a:r>
+              <a:rPr lang="en-IN" dirty="0" err="1"/>
+              <a:t>Xlnet</a:t>
+            </a:r>
+            <a:r>
+              <a:rPr lang="en-IN" dirty="0"/>
+              <a:t> and compare performances with SOTA figures</a:t>
+            </a:r>
+          </a:p>
+          <a:p>
+            <a:r>
+              <a:rPr lang="en-IN" dirty="0"/>
+              <a:t>Make use of higher computation power by including higher memory GPUs and disk space systems to finetune models</a:t>
+            </a:r>
+          </a:p>
+          <a:p>
+            <a:r>
+              <a:rPr lang="en-IN" dirty="0"/>
+              <a:t>Give out predictions on large dataset greater than 5000 articles and note the performance metrics to compare with the SOTA figures</a:t>
+            </a:r>
+          </a:p>
+        </p:txBody>
+      </p:sp>
+    </p:spTree>
+    <p:extLst>
+      <p:ext uri="{BB962C8B-B14F-4D97-AF65-F5344CB8AC3E}">
+        <p14:creationId xmlns:p14="http://schemas.microsoft.com/office/powerpoint/2010/main" val="2048130968"/>
       </p:ext>
     </p:extLst>
   </p:cSld>

--- a/Summarizing Pubmed Articles.pptx
+++ b/Summarizing Pubmed Articles.pptx
@@ -11518,7 +11518,7 @@
             </a:r>
             <a:r>
               <a:rPr lang="en-IN" dirty="0"/>
-              <a:t> were finetuned on 1125 records</a:t>
+              <a:t> were finetuned on 2500 records</a:t>
             </a:r>
           </a:p>
           <a:p>
